--- a/Poster & Präsis/Coll_Tubi.pptx
+++ b/Poster & Präsis/Coll_Tubi.pptx
@@ -19,7 +19,7 @@
     <p:sldId id="263" r:id="rId10"/>
     <p:sldId id="267" r:id="rId11"/>
     <p:sldId id="265" r:id="rId12"/>
-    <p:sldId id="266" r:id="rId13"/>
+    <p:sldId id="274" r:id="rId13"/>
     <p:sldId id="273" r:id="rId14"/>
   </p:sldIdLst>
   <p:sldSz cx="9144000" cy="6858000" type="screen4x3"/>
@@ -568,7 +568,6 @@
               <a:rPr lang="de-DE" baseline="0" dirty="0" smtClean="0"/>
               <a:t>.</a:t>
             </a:r>
-            <a:endParaRPr lang="de-DE" baseline="0" dirty="0" smtClean="0"/>
           </a:p>
           <a:p>
             <a:r>
@@ -753,7 +752,6 @@
               <a:rPr lang="en-GB" dirty="0" smtClean="0"/>
               <a:t> </a:t>
             </a:r>
-            <a:endParaRPr lang="en-GB" dirty="0" smtClean="0"/>
           </a:p>
         </p:txBody>
       </p:sp>
@@ -837,190 +835,6 @@
           <a:bodyPr/>
           <a:lstStyle/>
           <a:p>
-            <a:r>
-              <a:rPr lang="en-GB" sz="1200" b="0" i="0" u="none" strike="noStrike" kern="1200" baseline="0" dirty="0" smtClean="0">
-                <a:solidFill>
-                  <a:schemeClr val="tx1"/>
-                </a:solidFill>
-                <a:latin typeface="+mn-lt"/>
-                <a:ea typeface="+mn-ea"/>
-                <a:cs typeface="+mn-cs"/>
-              </a:rPr>
-              <a:t>The odds ratio of 1.3 for the support of adult children indicates that an increase of one on the support</a:t>
-            </a:r>
-          </a:p>
-          <a:p>
-            <a:r>
-              <a:rPr lang="en-GB" sz="1200" b="0" i="0" u="none" strike="noStrike" kern="1200" baseline="0" dirty="0" smtClean="0">
-                <a:solidFill>
-                  <a:schemeClr val="tx1"/>
-                </a:solidFill>
-                <a:latin typeface="+mn-lt"/>
-                <a:ea typeface="+mn-ea"/>
-                <a:cs typeface="+mn-cs"/>
-              </a:rPr>
-              <a:t>scale corresponds to a 30% higher chance of living together. Respectively,</a:t>
-            </a:r>
-          </a:p>
-          <a:p>
-            <a:r>
-              <a:rPr lang="en-GB" sz="1200" b="0" i="0" u="none" strike="noStrike" kern="1200" baseline="0" dirty="0" smtClean="0">
-                <a:solidFill>
-                  <a:schemeClr val="tx1"/>
-                </a:solidFill>
-                <a:latin typeface="+mn-lt"/>
-                <a:ea typeface="+mn-ea"/>
-                <a:cs typeface="+mn-cs"/>
-              </a:rPr>
-              <a:t>children of parents scoring two values higher have a 60% greater probability</a:t>
-            </a:r>
-          </a:p>
-          <a:p>
-            <a:r>
-              <a:rPr lang="en-GB" sz="1200" b="0" i="0" u="none" strike="noStrike" kern="1200" baseline="0" dirty="0" smtClean="0">
-                <a:solidFill>
-                  <a:schemeClr val="tx1"/>
-                </a:solidFill>
-                <a:latin typeface="+mn-lt"/>
-                <a:ea typeface="+mn-ea"/>
-                <a:cs typeface="+mn-cs"/>
-              </a:rPr>
-              <a:t>of shared residency. </a:t>
-            </a:r>
-          </a:p>
-          <a:p>
-            <a:endParaRPr lang="en-GB" sz="1200" b="0" i="0" u="none" strike="noStrike" kern="1200" baseline="0" dirty="0" smtClean="0">
-              <a:solidFill>
-                <a:schemeClr val="tx1"/>
-              </a:solidFill>
-              <a:latin typeface="+mn-lt"/>
-              <a:ea typeface="+mn-ea"/>
-              <a:cs typeface="+mn-cs"/>
-            </a:endParaRPr>
-          </a:p>
-          <a:p>
-            <a:r>
-              <a:rPr lang="en-GB" sz="1200" b="0" i="0" u="none" strike="noStrike" kern="1200" baseline="0" dirty="0" smtClean="0">
-                <a:solidFill>
-                  <a:schemeClr val="tx1"/>
-                </a:solidFill>
-                <a:latin typeface="+mn-lt"/>
-                <a:ea typeface="+mn-ea"/>
-                <a:cs typeface="+mn-cs"/>
-              </a:rPr>
-              <a:t>Hence, the hypothesis, which states a connection between parental support for adult children and the likelihood of</a:t>
-            </a:r>
-          </a:p>
-          <a:p>
-            <a:r>
-              <a:rPr lang="en-GB" sz="1200" b="0" i="0" u="none" strike="noStrike" kern="1200" baseline="0" dirty="0" smtClean="0">
-                <a:solidFill>
-                  <a:schemeClr val="tx1"/>
-                </a:solidFill>
-                <a:latin typeface="+mn-lt"/>
-                <a:ea typeface="+mn-ea"/>
-                <a:cs typeface="+mn-cs"/>
-              </a:rPr>
-              <a:t>intergenerational cohabitation, seems to have some substance. </a:t>
-            </a:r>
-          </a:p>
-          <a:p>
-            <a:endParaRPr lang="en-GB" sz="1200" b="0" i="0" u="none" strike="noStrike" kern="1200" baseline="0" dirty="0" smtClean="0">
-              <a:solidFill>
-                <a:schemeClr val="tx1"/>
-              </a:solidFill>
-              <a:latin typeface="+mn-lt"/>
-              <a:ea typeface="+mn-ea"/>
-              <a:cs typeface="+mn-cs"/>
-            </a:endParaRPr>
-          </a:p>
-          <a:p>
-            <a:r>
-              <a:rPr lang="en-GB" sz="1200" b="0" i="0" u="none" strike="noStrike" kern="1200" baseline="0" dirty="0" smtClean="0">
-                <a:solidFill>
-                  <a:schemeClr val="tx1"/>
-                </a:solidFill>
-                <a:latin typeface="+mn-lt"/>
-                <a:ea typeface="+mn-ea"/>
-                <a:cs typeface="+mn-cs"/>
-              </a:rPr>
-              <a:t>Turning to support provided to the grandparents, no significant impact on the young adults’ place of residence</a:t>
-            </a:r>
-          </a:p>
-          <a:p>
-            <a:r>
-              <a:rPr lang="en-GB" sz="1200" b="0" i="0" u="none" strike="noStrike" kern="1200" baseline="0" dirty="0" smtClean="0">
-                <a:solidFill>
-                  <a:schemeClr val="tx1"/>
-                </a:solidFill>
-                <a:latin typeface="+mn-lt"/>
-                <a:ea typeface="+mn-ea"/>
-                <a:cs typeface="+mn-cs"/>
-              </a:rPr>
-              <a:t>can be found. </a:t>
-            </a:r>
-          </a:p>
-          <a:p>
-            <a:endParaRPr lang="en-GB" sz="1200" b="0" i="0" u="none" strike="noStrike" kern="1200" baseline="0" dirty="0" smtClean="0">
-              <a:solidFill>
-                <a:schemeClr val="tx1"/>
-              </a:solidFill>
-              <a:latin typeface="+mn-lt"/>
-              <a:ea typeface="+mn-ea"/>
-              <a:cs typeface="+mn-cs"/>
-            </a:endParaRPr>
-          </a:p>
-          <a:p>
-            <a:r>
-              <a:rPr lang="en-GB" sz="1200" b="0" i="0" u="none" strike="noStrike" kern="1200" baseline="0" dirty="0" smtClean="0">
-                <a:solidFill>
-                  <a:schemeClr val="tx1"/>
-                </a:solidFill>
-                <a:latin typeface="+mn-lt"/>
-                <a:ea typeface="+mn-ea"/>
-                <a:cs typeface="+mn-cs"/>
-              </a:rPr>
-              <a:t>The fact that support for children seems to have an effect but not support for grandparents suggests that both behaviours may not be</a:t>
-            </a:r>
-          </a:p>
-          <a:p>
-            <a:r>
-              <a:rPr lang="en-GB" sz="1200" b="0" i="0" u="none" strike="noStrike" kern="1200" baseline="0" dirty="0" smtClean="0">
-                <a:solidFill>
-                  <a:schemeClr val="tx1"/>
-                </a:solidFill>
-                <a:latin typeface="+mn-lt"/>
-                <a:ea typeface="+mn-ea"/>
-                <a:cs typeface="+mn-cs"/>
-              </a:rPr>
-              <a:t>rooted in the same normative solidarity, but values specific to one’s children or parents. </a:t>
-            </a:r>
-          </a:p>
-          <a:p>
-            <a:r>
-              <a:rPr lang="en-GB" sz="1200" b="0" i="0" u="none" strike="noStrike" kern="1200" baseline="0" dirty="0" smtClean="0">
-                <a:solidFill>
-                  <a:schemeClr val="tx1"/>
-                </a:solidFill>
-                <a:latin typeface="+mn-lt"/>
-                <a:ea typeface="+mn-ea"/>
-                <a:cs typeface="+mn-cs"/>
-              </a:rPr>
-              <a:t>It is very well conceivable for one person to have strong feelings of parental duty towards one’s children, but only a weak sense of filial responsibility</a:t>
-            </a:r>
-          </a:p>
-          <a:p>
-            <a:r>
-              <a:rPr lang="en-GB" sz="1200" b="0" i="0" u="none" strike="noStrike" kern="1200" baseline="0" dirty="0" smtClean="0">
-                <a:solidFill>
-                  <a:schemeClr val="tx1"/>
-                </a:solidFill>
-                <a:latin typeface="+mn-lt"/>
-                <a:ea typeface="+mn-ea"/>
-                <a:cs typeface="+mn-cs"/>
-              </a:rPr>
-              <a:t>towards one’s parents, or vice versa.</a:t>
-            </a:r>
             <a:endParaRPr lang="en-GB" dirty="0"/>
           </a:p>
         </p:txBody>
@@ -1105,168 +919,7 @@
           <a:bodyPr/>
           <a:lstStyle/>
           <a:p>
-            <a:r>
-              <a:rPr lang="en-GB" sz="1200" b="0" i="0" u="none" strike="noStrike" kern="1200" baseline="0" dirty="0" smtClean="0">
-                <a:solidFill>
-                  <a:schemeClr val="tx1"/>
-                </a:solidFill>
-                <a:latin typeface="+mn-lt"/>
-                <a:ea typeface="+mn-ea"/>
-                <a:cs typeface="+mn-cs"/>
-              </a:rPr>
-              <a:t>As the odds ratio shows, the more a country invests in family</a:t>
-            </a:r>
-          </a:p>
-          <a:p>
-            <a:r>
-              <a:rPr lang="en-GB" sz="1200" b="0" i="0" u="none" strike="noStrike" kern="1200" baseline="0" dirty="0" smtClean="0">
-                <a:solidFill>
-                  <a:schemeClr val="tx1"/>
-                </a:solidFill>
-                <a:latin typeface="+mn-lt"/>
-                <a:ea typeface="+mn-ea"/>
-                <a:cs typeface="+mn-cs"/>
-              </a:rPr>
-              <a:t>support, the lower the probability of resident young adults to live with their</a:t>
-            </a:r>
-          </a:p>
-          <a:p>
-            <a:r>
-              <a:rPr lang="en-GB" sz="1200" b="0" i="0" u="none" strike="noStrike" kern="1200" baseline="0" dirty="0" smtClean="0">
-                <a:solidFill>
-                  <a:schemeClr val="tx1"/>
-                </a:solidFill>
-                <a:latin typeface="+mn-lt"/>
-                <a:ea typeface="+mn-ea"/>
-                <a:cs typeface="+mn-cs"/>
-              </a:rPr>
-              <a:t>parents. To be precise, an increase of expenditure of 1% corresponds to an on average around 30% lower likelihood of cohabitation. This effect size seems</a:t>
-            </a:r>
-          </a:p>
-          <a:p>
-            <a:r>
-              <a:rPr lang="en-GB" sz="1200" b="0" i="0" u="none" strike="noStrike" kern="1200" baseline="0" dirty="0" smtClean="0">
-                <a:solidFill>
-                  <a:schemeClr val="tx1"/>
-                </a:solidFill>
-                <a:latin typeface="+mn-lt"/>
-                <a:ea typeface="+mn-ea"/>
-                <a:cs typeface="+mn-cs"/>
-              </a:rPr>
-              <a:t>quite impressive. Taking a look at the values of family expenditures in the selected countries however, it becomes</a:t>
-            </a:r>
-          </a:p>
-          <a:p>
-            <a:r>
-              <a:rPr lang="en-GB" sz="1200" b="0" i="0" u="none" strike="noStrike" kern="1200" baseline="0" dirty="0" smtClean="0">
-                <a:solidFill>
-                  <a:schemeClr val="tx1"/>
-                </a:solidFill>
-                <a:latin typeface="+mn-lt"/>
-                <a:ea typeface="+mn-ea"/>
-                <a:cs typeface="+mn-cs"/>
-              </a:rPr>
-              <a:t>evident that they range only between 1.3% and 4%.</a:t>
-            </a:r>
-          </a:p>
-          <a:p>
-            <a:endParaRPr lang="de-DE" sz="1200" b="0" i="0" u="none" strike="noStrike" kern="1200" baseline="0" dirty="0" smtClean="0">
-              <a:solidFill>
-                <a:schemeClr val="tx1"/>
-              </a:solidFill>
-              <a:latin typeface="+mn-lt"/>
-              <a:ea typeface="+mn-ea"/>
-              <a:cs typeface="+mn-cs"/>
-            </a:endParaRPr>
-          </a:p>
-          <a:p>
-            <a:r>
-              <a:rPr lang="en-GB" sz="1200" b="0" i="0" u="none" strike="noStrike" kern="1200" baseline="0" dirty="0" smtClean="0">
-                <a:solidFill>
-                  <a:schemeClr val="tx1"/>
-                </a:solidFill>
-                <a:latin typeface="+mn-lt"/>
-                <a:ea typeface="+mn-ea"/>
-                <a:cs typeface="+mn-cs"/>
-              </a:rPr>
-              <a:t>With each additional percent of the active population being unemployed, cohabitation in the respective country becomes 2% more likely. </a:t>
-            </a:r>
-          </a:p>
-          <a:p>
-            <a:r>
-              <a:rPr lang="en-GB" sz="1200" b="0" i="0" u="none" strike="noStrike" kern="1200" baseline="0" dirty="0" smtClean="0">
-                <a:solidFill>
-                  <a:schemeClr val="tx1"/>
-                </a:solidFill>
-                <a:latin typeface="+mn-lt"/>
-                <a:ea typeface="+mn-ea"/>
-                <a:cs typeface="+mn-cs"/>
-              </a:rPr>
-              <a:t>At first sight, this effect seems almost meaningless because of the small effect size. </a:t>
-            </a:r>
-          </a:p>
-          <a:p>
-            <a:r>
-              <a:rPr lang="en-GB" sz="1200" b="0" i="0" u="none" strike="noStrike" kern="1200" baseline="0" dirty="0" smtClean="0">
-                <a:solidFill>
-                  <a:schemeClr val="tx1"/>
-                </a:solidFill>
-                <a:latin typeface="+mn-lt"/>
-                <a:ea typeface="+mn-ea"/>
-                <a:cs typeface="+mn-cs"/>
-              </a:rPr>
-              <a:t>However, unemployment rates differ substantially between the analysed countries, from around 3% to almost 20%</a:t>
-            </a:r>
-          </a:p>
-          <a:p>
-            <a:endParaRPr lang="de-DE" sz="1200" b="0" i="0" u="none" strike="noStrike" kern="1200" baseline="0" dirty="0" smtClean="0">
-              <a:solidFill>
-                <a:schemeClr val="tx1"/>
-              </a:solidFill>
-              <a:latin typeface="+mn-lt"/>
-              <a:ea typeface="+mn-ea"/>
-              <a:cs typeface="+mn-cs"/>
-            </a:endParaRPr>
-          </a:p>
-          <a:p>
-            <a:r>
-              <a:rPr lang="en-GB" sz="1200" b="0" i="0" u="none" strike="noStrike" kern="1200" baseline="0" dirty="0" smtClean="0">
-                <a:solidFill>
-                  <a:schemeClr val="tx1"/>
-                </a:solidFill>
-                <a:latin typeface="+mn-lt"/>
-                <a:ea typeface="+mn-ea"/>
-                <a:cs typeface="+mn-cs"/>
-              </a:rPr>
-              <a:t>Turning to the last Hypothesis, it was assumed that high public expenses</a:t>
-            </a:r>
-          </a:p>
-          <a:p>
-            <a:r>
-              <a:rPr lang="en-GB" sz="1200" b="0" i="0" u="none" strike="noStrike" kern="1200" baseline="0" dirty="0" smtClean="0">
-                <a:solidFill>
-                  <a:schemeClr val="tx1"/>
-                </a:solidFill>
-                <a:latin typeface="+mn-lt"/>
-                <a:ea typeface="+mn-ea"/>
-                <a:cs typeface="+mn-cs"/>
-              </a:rPr>
-              <a:t>for old age security would guarantee financial security. The results of the regression</a:t>
-            </a:r>
-          </a:p>
-          <a:p>
-            <a:r>
-              <a:rPr lang="en-GB" sz="1200" b="0" i="0" u="none" strike="noStrike" kern="1200" baseline="0" dirty="0" smtClean="0">
-                <a:solidFill>
-                  <a:schemeClr val="tx1"/>
-                </a:solidFill>
-                <a:latin typeface="+mn-lt"/>
-                <a:ea typeface="+mn-ea"/>
-                <a:cs typeface="+mn-cs"/>
-              </a:rPr>
-              <a:t>show that there is no empirical evidence supporting this claim. </a:t>
-            </a:r>
-            <a:endParaRPr lang="de-DE" dirty="0"/>
+            <a:endParaRPr lang="en-GB" dirty="0"/>
           </a:p>
         </p:txBody>
       </p:sp>
@@ -1296,7 +949,7 @@
     </p:spTree>
     <p:extLst>
       <p:ext uri="{BB962C8B-B14F-4D97-AF65-F5344CB8AC3E}">
-        <p14:creationId xmlns:p14="http://schemas.microsoft.com/office/powerpoint/2010/main" val="3406347185"/>
+        <p14:creationId xmlns:p14="http://schemas.microsoft.com/office/powerpoint/2010/main" val="806498833"/>
       </p:ext>
     </p:extLst>
   </p:cSld>
@@ -2381,7 +2034,6 @@
               <a:rPr lang="de-DE" baseline="0" dirty="0" smtClean="0"/>
               <a:t>.</a:t>
             </a:r>
-            <a:endParaRPr lang="de-DE" baseline="0" dirty="0" smtClean="0"/>
           </a:p>
         </p:txBody>
       </p:sp>
@@ -2474,18 +2126,7 @@
                 <a:ea typeface="+mn-ea"/>
                 <a:cs typeface="+mn-cs"/>
               </a:rPr>
-              <a:t>In </a:t>
-            </a:r>
-            <a:r>
-              <a:rPr lang="en-GB" sz="1200" b="0" i="0" u="none" strike="noStrike" kern="1200" baseline="0" dirty="0" smtClean="0">
-                <a:solidFill>
-                  <a:schemeClr val="tx1"/>
-                </a:solidFill>
-                <a:latin typeface="+mn-lt"/>
-                <a:ea typeface="+mn-ea"/>
-                <a:cs typeface="+mn-cs"/>
-              </a:rPr>
-              <a:t>2008, sociologist and life course researcher Szydlik proposed his model. </a:t>
+              <a:t>In 2008, sociologist and life course researcher Szydlik proposed his model. </a:t>
             </a:r>
           </a:p>
           <a:p>
@@ -3119,18 +2760,7 @@
                 <a:ea typeface="+mn-ea"/>
                 <a:cs typeface="+mn-cs"/>
               </a:rPr>
-              <a:t>Inviting </a:t>
-            </a:r>
-            <a:r>
-              <a:rPr lang="en-GB" sz="1200" b="0" i="0" u="none" strike="noStrike" kern="1200" baseline="0" dirty="0" smtClean="0">
-                <a:solidFill>
-                  <a:schemeClr val="tx1"/>
-                </a:solidFill>
-                <a:latin typeface="+mn-lt"/>
-                <a:ea typeface="+mn-ea"/>
-                <a:cs typeface="+mn-cs"/>
-              </a:rPr>
-              <a:t>a family member to share housing or continue to share housing is in its motivations similar to giving support with daily</a:t>
+              <a:t>Inviting a family member to share housing or continue to share housing is in its motivations similar to giving support with daily</a:t>
             </a:r>
           </a:p>
           <a:p>
@@ -3954,29 +3584,7 @@
                 <a:ea typeface="+mn-ea"/>
                 <a:cs typeface="+mn-cs"/>
               </a:rPr>
-              <a:t>Parents </a:t>
-            </a:r>
-            <a:r>
-              <a:rPr lang="en-GB" sz="1200" b="0" i="0" u="none" strike="noStrike" kern="1200" baseline="0" dirty="0" smtClean="0">
-                <a:solidFill>
-                  <a:schemeClr val="tx1"/>
-                </a:solidFill>
-                <a:latin typeface="+mn-lt"/>
-                <a:ea typeface="+mn-ea"/>
-                <a:cs typeface="+mn-cs"/>
-              </a:rPr>
-              <a:t>who provide regular support to their children are anticipated to have a strong sense of </a:t>
-            </a:r>
-            <a:r>
-              <a:rPr lang="en-GB" sz="1200" b="0" i="0" u="none" strike="noStrike" kern="1200" baseline="0" dirty="0" smtClean="0">
-                <a:solidFill>
-                  <a:schemeClr val="tx1"/>
-                </a:solidFill>
-                <a:latin typeface="+mn-lt"/>
-                <a:ea typeface="+mn-ea"/>
-                <a:cs typeface="+mn-cs"/>
-              </a:rPr>
-              <a:t>family cohesion.</a:t>
+              <a:t>Parents who provide regular support to their children are anticipated to have a strong sense of family cohesion.</a:t>
             </a:r>
           </a:p>
           <a:p>
@@ -3992,49 +3600,8 @@
                 <a:ea typeface="+mn-ea"/>
                 <a:cs typeface="+mn-cs"/>
               </a:rPr>
-              <a:t>More so this behaviour </a:t>
-            </a:r>
-            <a:r>
-              <a:rPr lang="en-GB" sz="1200" b="0" i="0" u="none" strike="noStrike" kern="1200" baseline="0" dirty="0" smtClean="0">
-                <a:solidFill>
-                  <a:schemeClr val="tx1"/>
-                </a:solidFill>
-                <a:latin typeface="+mn-lt"/>
-                <a:ea typeface="+mn-ea"/>
-                <a:cs typeface="+mn-cs"/>
-              </a:rPr>
-              <a:t>is not only indicative of general </a:t>
-            </a:r>
-            <a:r>
-              <a:rPr lang="en-GB" sz="1200" b="0" i="0" u="none" strike="noStrike" kern="1200" baseline="0" dirty="0" smtClean="0">
-                <a:solidFill>
-                  <a:schemeClr val="tx1"/>
-                </a:solidFill>
-                <a:latin typeface="+mn-lt"/>
-                <a:ea typeface="+mn-ea"/>
-                <a:cs typeface="+mn-cs"/>
-              </a:rPr>
-              <a:t>familialistic values </a:t>
-            </a:r>
-            <a:r>
-              <a:rPr lang="en-GB" sz="1200" b="0" i="0" u="none" strike="noStrike" kern="1200" baseline="0" dirty="0" smtClean="0">
-                <a:solidFill>
-                  <a:schemeClr val="tx1"/>
-                </a:solidFill>
-                <a:latin typeface="+mn-lt"/>
-                <a:ea typeface="+mn-ea"/>
-                <a:cs typeface="+mn-cs"/>
-              </a:rPr>
-              <a:t>but feelings of parental responsibility for their adult children. </a:t>
-            </a:r>
-            <a:endParaRPr lang="en-GB" sz="1200" b="0" i="0" u="none" strike="noStrike" kern="1200" baseline="0" dirty="0" smtClean="0">
-              <a:solidFill>
-                <a:schemeClr val="tx1"/>
-              </a:solidFill>
-              <a:latin typeface="+mn-lt"/>
-              <a:ea typeface="+mn-ea"/>
-              <a:cs typeface="+mn-cs"/>
-            </a:endParaRPr>
+              <a:t>More so this behaviour is not only indicative of general familialistic values but feelings of parental responsibility for their adult children. </a:t>
+            </a:r>
           </a:p>
           <a:p>
             <a:pPr marL="0" indent="0">
@@ -8739,11 +8306,7 @@
             </a:r>
             <a:r>
               <a:rPr lang="de-DE" sz="2400" dirty="0" smtClean="0"/>
-              <a:t> parent</a:t>
-            </a:r>
-            <a:r>
-              <a:rPr lang="de-DE" sz="2400" dirty="0" smtClean="0"/>
-              <a:t>al familialistic </a:t>
+              <a:t> parental familialistic </a:t>
             </a:r>
             <a:r>
               <a:rPr lang="de-DE" sz="2400" dirty="0" err="1" smtClean="0"/>
@@ -8854,15 +8417,7 @@
             <a:pPr algn="ctr"/>
             <a:r>
               <a:rPr lang="en-US" sz="3600" dirty="0" smtClean="0"/>
-              <a:t>There is no place like the </a:t>
-            </a:r>
-            <a:r>
-              <a:rPr lang="en-US" sz="3600" dirty="0" smtClean="0"/>
-              <a:t>parents’ </a:t>
-            </a:r>
-            <a:r>
-              <a:rPr lang="en-US" sz="3600" dirty="0" smtClean="0"/>
-              <a:t>home</a:t>
+              <a:t>There is no place like the parents’ home</a:t>
             </a:r>
             <a:endParaRPr lang="en-US" sz="3600" dirty="0"/>
           </a:p>
@@ -8904,15 +8459,7 @@
                   <a:srgbClr val="4D4D4D"/>
                 </a:solidFill>
               </a:rPr>
-              <a:t>Julia Büschges, </a:t>
-            </a:r>
-            <a:r>
-              <a:rPr lang="de-DE" dirty="0" smtClean="0">
-                <a:solidFill>
-                  <a:srgbClr val="4D4D4D"/>
-                </a:solidFill>
-              </a:rPr>
-              <a:t>Robert Koch Institute, Berlin</a:t>
+              <a:t>Julia Büschges, Robert Koch Institute, Berlin</a:t>
             </a:r>
           </a:p>
           <a:p>
@@ -8990,8 +8537,21 @@
             <a:pPr marL="814388" indent="-342900"/>
             <a:r>
               <a:rPr lang="en-GB" dirty="0" smtClean="0"/>
-              <a:t>Parents indicate number of family members supported (0-3) &amp; frequency (1-5)</a:t>
-            </a:r>
+              <a:t>Parents indicate number of family members supported </a:t>
+            </a:r>
+            <a:r>
+              <a:rPr lang="en-GB" dirty="0" smtClean="0"/>
+              <a:t>(up to 3) </a:t>
+            </a:r>
+            <a:r>
+              <a:rPr lang="en-GB" dirty="0" smtClean="0"/>
+              <a:t>&amp; frequency </a:t>
+            </a:r>
+            <a:r>
+              <a:rPr lang="en-GB" dirty="0" smtClean="0"/>
+              <a:t>(daily, weekly, monthly, fewer, never)</a:t>
+            </a:r>
+            <a:endParaRPr lang="en-GB" dirty="0" smtClean="0"/>
           </a:p>
           <a:p>
             <a:pPr marL="1085850" indent="0">
@@ -9002,14 +8562,56 @@
           <a:p>
             <a:pPr marL="814388" indent="-342900"/>
             <a:r>
-              <a:rPr lang="en-GB" dirty="0" smtClean="0"/>
+              <a:rPr lang="en-GB" u="sng" dirty="0" smtClean="0"/>
               <a:t>Calculation</a:t>
             </a:r>
             <a:r>
               <a:rPr lang="en-GB" dirty="0" smtClean="0"/>
               <a:t>:</a:t>
             </a:r>
-            <a:endParaRPr lang="en-GB" dirty="0" smtClean="0"/>
+          </a:p>
+          <a:p>
+            <a:pPr marL="1088708" lvl="1" indent="-342900"/>
+            <a:r>
+              <a:rPr lang="en-US" sz="2000" dirty="0" smtClean="0"/>
+              <a:t>Collapse categories of support frequency: regularly, occasionally, never</a:t>
+            </a:r>
+          </a:p>
+          <a:p>
+            <a:pPr marL="1088708" lvl="1" indent="-342900"/>
+            <a:r>
+              <a:rPr lang="en-US" sz="2000" dirty="0" smtClean="0"/>
+              <a:t>New variable:</a:t>
+            </a:r>
+          </a:p>
+          <a:p>
+            <a:pPr marL="1363028" lvl="2" indent="-342900"/>
+            <a:r>
+              <a:rPr lang="en-US" sz="2000" dirty="0" smtClean="0"/>
+              <a:t>0: no support to any child by any parent</a:t>
+            </a:r>
+          </a:p>
+          <a:p>
+            <a:pPr marL="1363028" lvl="2" indent="-342900"/>
+            <a:r>
+              <a:rPr lang="en-US" sz="2000" dirty="0" smtClean="0"/>
+              <a:t>1: support to one/several children by one parent</a:t>
+            </a:r>
+          </a:p>
+          <a:p>
+            <a:pPr marL="1363028" lvl="2" indent="-342900"/>
+            <a:r>
+              <a:rPr lang="en-US" sz="2000" dirty="0" smtClean="0"/>
+              <a:t>2: support to one/several children by both parents</a:t>
+            </a:r>
+          </a:p>
+          <a:p>
+            <a:pPr marL="1363028" lvl="2" indent="-342900"/>
+            <a:endParaRPr lang="en-US" dirty="0" smtClean="0"/>
+          </a:p>
+          <a:p>
+            <a:pPr marL="1088708" lvl="1" indent="-342900"/>
+            <a:endParaRPr lang="en-US" dirty="0" smtClean="0"/>
           </a:p>
         </p:txBody>
       </p:sp>
@@ -9072,6 +8674,13 @@
   <p:clrMapOvr>
     <a:masterClrMapping/>
   </p:clrMapOvr>
+  <p:timing>
+    <p:tnLst>
+      <p:par>
+        <p:cTn id="1" dur="indefinite" restart="never" nodeType="tmRoot"/>
+      </p:par>
+    </p:tnLst>
+  </p:timing>
 </p:sld>
 </file>
 
@@ -9109,32 +8718,481 @@
           <a:p>
             <a:r>
               <a:rPr lang="de-DE" dirty="0" err="1" smtClean="0"/>
+              <a:t>Preliminary</a:t>
+            </a:r>
+            <a:r>
+              <a:rPr lang="de-DE" dirty="0" smtClean="0"/>
+              <a:t> </a:t>
+            </a:r>
+            <a:r>
+              <a:rPr lang="de-DE" dirty="0" err="1" smtClean="0"/>
               <a:t>Results</a:t>
             </a:r>
+            <a:endParaRPr lang="de-DE" dirty="0"/>
+          </a:p>
+        </p:txBody>
+      </p:sp>
+      <p:graphicFrame>
+        <p:nvGraphicFramePr>
+          <p:cNvPr id="4" name="Inhaltsplatzhalter 3"/>
+          <p:cNvGraphicFramePr>
+            <a:graphicFrameLocks noGrp="1"/>
+          </p:cNvGraphicFramePr>
+          <p:nvPr>
+            <p:ph idx="1"/>
+            <p:extLst>
+              <p:ext uri="{D42A27DB-BD31-4B8C-83A1-F6EECF244321}">
+                <p14:modId xmlns:p14="http://schemas.microsoft.com/office/powerpoint/2010/main" val="3832715206"/>
+              </p:ext>
+            </p:extLst>
+          </p:nvPr>
+        </p:nvGraphicFramePr>
+        <p:xfrm>
+          <a:off x="395536" y="2924944"/>
+          <a:ext cx="8407400" cy="2301825"/>
+        </p:xfrm>
+        <a:graphic>
+          <a:graphicData uri="http://schemas.openxmlformats.org/drawingml/2006/table">
+            <a:tbl>
+              <a:tblPr firstRow="1" bandRow="1">
+                <a:tableStyleId>{93296810-A885-4BE3-A3E7-6D5BEEA58F35}</a:tableStyleId>
+              </a:tblPr>
+              <a:tblGrid>
+                <a:gridCol w="2678832"/>
+                <a:gridCol w="1728192"/>
+                <a:gridCol w="1898526"/>
+                <a:gridCol w="2101850"/>
+              </a:tblGrid>
+              <a:tr h="447625">
+                <a:tc>
+                  <a:txBody>
+                    <a:bodyPr/>
+                    <a:lstStyle/>
+                    <a:p>
+                      <a:r>
+                        <a:rPr lang="de-DE" dirty="0" err="1" smtClean="0"/>
+                        <a:t>Indicator</a:t>
+                      </a:r>
+                      <a:endParaRPr lang="en-GB" dirty="0"/>
+                    </a:p>
+                  </a:txBody>
+                  <a:tcPr/>
+                </a:tc>
+                <a:tc>
+                  <a:txBody>
+                    <a:bodyPr/>
+                    <a:lstStyle/>
+                    <a:p>
+                      <a:r>
+                        <a:rPr lang="de-DE" dirty="0" smtClean="0"/>
+                        <a:t>Odds </a:t>
+                      </a:r>
+                      <a:r>
+                        <a:rPr lang="de-DE" dirty="0" err="1" smtClean="0"/>
+                        <a:t>ratio</a:t>
+                      </a:r>
+                      <a:endParaRPr lang="en-GB" dirty="0"/>
+                    </a:p>
+                  </a:txBody>
+                  <a:tcPr/>
+                </a:tc>
+                <a:tc>
+                  <a:txBody>
+                    <a:bodyPr/>
+                    <a:lstStyle/>
+                    <a:p>
+                      <a:r>
+                        <a:rPr lang="de-DE" dirty="0" smtClean="0"/>
+                        <a:t>Standard Error</a:t>
+                      </a:r>
+                      <a:endParaRPr lang="en-GB" dirty="0"/>
+                    </a:p>
+                  </a:txBody>
+                  <a:tcPr/>
+                </a:tc>
+                <a:tc>
+                  <a:txBody>
+                    <a:bodyPr/>
+                    <a:lstStyle/>
+                    <a:p>
+                      <a:r>
+                        <a:rPr lang="de-DE" dirty="0" smtClean="0"/>
+                        <a:t>P- </a:t>
+                      </a:r>
+                      <a:r>
+                        <a:rPr lang="de-DE" dirty="0" err="1" smtClean="0"/>
+                        <a:t>value</a:t>
+                      </a:r>
+                      <a:endParaRPr lang="en-GB" dirty="0"/>
+                    </a:p>
+                  </a:txBody>
+                  <a:tcPr/>
+                </a:tc>
+              </a:tr>
+              <a:tr h="1112520">
+                <a:tc>
+                  <a:txBody>
+                    <a:bodyPr/>
+                    <a:lstStyle/>
+                    <a:p>
+                      <a:r>
+                        <a:rPr lang="de-DE" dirty="0" smtClean="0"/>
+                        <a:t>Support</a:t>
+                      </a:r>
+                    </a:p>
+                    <a:p>
+                      <a:r>
+                        <a:rPr lang="de-DE" dirty="0" err="1" smtClean="0"/>
+                        <a:t>One</a:t>
+                      </a:r>
+                      <a:r>
+                        <a:rPr lang="de-DE" baseline="0" dirty="0" smtClean="0"/>
+                        <a:t> </a:t>
+                      </a:r>
+                      <a:r>
+                        <a:rPr lang="de-DE" baseline="0" dirty="0" err="1" smtClean="0"/>
+                        <a:t>parent</a:t>
+                      </a:r>
+                      <a:endParaRPr lang="en-GB" dirty="0"/>
+                    </a:p>
+                    <a:p>
+                      <a:r>
+                        <a:rPr lang="de-DE" dirty="0" err="1" smtClean="0"/>
+                        <a:t>Two</a:t>
+                      </a:r>
+                      <a:r>
+                        <a:rPr lang="de-DE" dirty="0" smtClean="0"/>
+                        <a:t> </a:t>
+                      </a:r>
+                      <a:r>
+                        <a:rPr lang="de-DE" dirty="0" err="1" smtClean="0"/>
+                        <a:t>parents</a:t>
+                      </a:r>
+                      <a:endParaRPr lang="en-GB" dirty="0"/>
+                    </a:p>
+                  </a:txBody>
+                  <a:tcPr/>
+                </a:tc>
+                <a:tc>
+                  <a:txBody>
+                    <a:bodyPr/>
+                    <a:lstStyle/>
+                    <a:p>
+                      <a:endParaRPr lang="de-DE" dirty="0" smtClean="0"/>
+                    </a:p>
+                    <a:p>
+                      <a:r>
+                        <a:rPr lang="de-DE" dirty="0" smtClean="0">
+                          <a:solidFill>
+                            <a:srgbClr val="C00000"/>
+                          </a:solidFill>
+                        </a:rPr>
+                        <a:t>0.429</a:t>
+                      </a:r>
+                      <a:endParaRPr lang="en-GB" dirty="0">
+                        <a:solidFill>
+                          <a:srgbClr val="C00000"/>
+                        </a:solidFill>
+                      </a:endParaRPr>
+                    </a:p>
+                    <a:p>
+                      <a:r>
+                        <a:rPr lang="de-DE" dirty="0" smtClean="0">
+                          <a:solidFill>
+                            <a:srgbClr val="C00000"/>
+                          </a:solidFill>
+                        </a:rPr>
+                        <a:t>0.508</a:t>
+                      </a:r>
+                      <a:endParaRPr lang="en-GB" dirty="0">
+                        <a:solidFill>
+                          <a:srgbClr val="C00000"/>
+                        </a:solidFill>
+                      </a:endParaRPr>
+                    </a:p>
+                  </a:txBody>
+                  <a:tcPr/>
+                </a:tc>
+                <a:tc>
+                  <a:txBody>
+                    <a:bodyPr/>
+                    <a:lstStyle/>
+                    <a:p>
+                      <a:endParaRPr lang="de-DE" dirty="0" smtClean="0"/>
+                    </a:p>
+                    <a:p>
+                      <a:r>
+                        <a:rPr lang="de-DE" dirty="0" smtClean="0"/>
+                        <a:t>0.088</a:t>
+                      </a:r>
+                      <a:endParaRPr lang="en-GB" dirty="0"/>
+                    </a:p>
+                    <a:p>
+                      <a:r>
+                        <a:rPr lang="de-DE" dirty="0" smtClean="0"/>
+                        <a:t>0.183</a:t>
+                      </a:r>
+                      <a:endParaRPr lang="en-GB" dirty="0"/>
+                    </a:p>
+                  </a:txBody>
+                  <a:tcPr/>
+                </a:tc>
+                <a:tc>
+                  <a:txBody>
+                    <a:bodyPr/>
+                    <a:lstStyle/>
+                    <a:p>
+                      <a:endParaRPr lang="de-DE" dirty="0" smtClean="0"/>
+                    </a:p>
+                    <a:p>
+                      <a:r>
+                        <a:rPr lang="de-DE" dirty="0" smtClean="0"/>
+                        <a:t>0.000</a:t>
+                      </a:r>
+                      <a:endParaRPr lang="en-GB" dirty="0"/>
+                    </a:p>
+                    <a:p>
+                      <a:r>
+                        <a:rPr lang="de-DE" dirty="0" smtClean="0"/>
+                        <a:t>0.060</a:t>
+                      </a:r>
+                      <a:endParaRPr lang="en-GB" dirty="0"/>
+                    </a:p>
+                  </a:txBody>
+                  <a:tcPr/>
+                </a:tc>
+              </a:tr>
+              <a:tr h="370840">
+                <a:tc>
+                  <a:txBody>
+                    <a:bodyPr/>
+                    <a:lstStyle/>
+                    <a:p>
+                      <a:r>
+                        <a:rPr lang="de-DE" dirty="0" err="1" smtClean="0"/>
+                        <a:t>Under-aged</a:t>
+                      </a:r>
+                      <a:r>
+                        <a:rPr lang="de-DE" baseline="0" dirty="0" smtClean="0"/>
+                        <a:t> </a:t>
+                      </a:r>
+                      <a:r>
+                        <a:rPr lang="de-DE" baseline="0" dirty="0" err="1" smtClean="0"/>
+                        <a:t>sibling</a:t>
+                      </a:r>
+                      <a:r>
+                        <a:rPr lang="de-DE" baseline="0" dirty="0" smtClean="0"/>
+                        <a:t> in HH</a:t>
+                      </a:r>
+                      <a:endParaRPr lang="en-GB" dirty="0"/>
+                    </a:p>
+                  </a:txBody>
+                  <a:tcPr/>
+                </a:tc>
+                <a:tc>
+                  <a:txBody>
+                    <a:bodyPr/>
+                    <a:lstStyle/>
+                    <a:p>
+                      <a:r>
+                        <a:rPr lang="de-DE" dirty="0" smtClean="0"/>
+                        <a:t>0.635</a:t>
+                      </a:r>
+                      <a:endParaRPr lang="en-GB" dirty="0"/>
+                    </a:p>
+                  </a:txBody>
+                  <a:tcPr/>
+                </a:tc>
+                <a:tc>
+                  <a:txBody>
+                    <a:bodyPr/>
+                    <a:lstStyle/>
+                    <a:p>
+                      <a:r>
+                        <a:rPr lang="de-DE" dirty="0" smtClean="0"/>
+                        <a:t>0.108</a:t>
+                      </a:r>
+                      <a:endParaRPr lang="en-GB" dirty="0"/>
+                    </a:p>
+                  </a:txBody>
+                  <a:tcPr/>
+                </a:tc>
+                <a:tc>
+                  <a:txBody>
+                    <a:bodyPr/>
+                    <a:lstStyle/>
+                    <a:p>
+                      <a:r>
+                        <a:rPr lang="de-DE" dirty="0" smtClean="0"/>
+                        <a:t>0.008</a:t>
+                      </a:r>
+                      <a:endParaRPr lang="en-GB" dirty="0"/>
+                    </a:p>
+                  </a:txBody>
+                  <a:tcPr/>
+                </a:tc>
+              </a:tr>
+              <a:tr h="370840">
+                <a:tc>
+                  <a:txBody>
+                    <a:bodyPr/>
+                    <a:lstStyle/>
+                    <a:p>
+                      <a:r>
+                        <a:rPr lang="de-DE" dirty="0" smtClean="0"/>
+                        <a:t>Other </a:t>
+                      </a:r>
+                      <a:r>
+                        <a:rPr lang="de-DE" dirty="0" err="1" smtClean="0"/>
+                        <a:t>young</a:t>
+                      </a:r>
+                      <a:r>
+                        <a:rPr lang="de-DE" dirty="0" smtClean="0"/>
+                        <a:t> </a:t>
+                      </a:r>
+                      <a:r>
+                        <a:rPr lang="de-DE" dirty="0" err="1" smtClean="0"/>
+                        <a:t>adults</a:t>
+                      </a:r>
+                      <a:r>
+                        <a:rPr lang="de-DE" dirty="0" smtClean="0"/>
+                        <a:t> in HH</a:t>
+                      </a:r>
+                      <a:endParaRPr lang="en-GB" dirty="0"/>
+                    </a:p>
+                  </a:txBody>
+                  <a:tcPr/>
+                </a:tc>
+                <a:tc>
+                  <a:txBody>
+                    <a:bodyPr/>
+                    <a:lstStyle/>
+                    <a:p>
+                      <a:r>
+                        <a:rPr lang="de-DE" dirty="0" smtClean="0"/>
+                        <a:t>1.768</a:t>
+                      </a:r>
+                      <a:endParaRPr lang="en-GB" dirty="0"/>
+                    </a:p>
+                  </a:txBody>
+                  <a:tcPr/>
+                </a:tc>
+                <a:tc>
+                  <a:txBody>
+                    <a:bodyPr/>
+                    <a:lstStyle/>
+                    <a:p>
+                      <a:r>
+                        <a:rPr lang="de-DE" dirty="0" smtClean="0"/>
+                        <a:t>0.107</a:t>
+                      </a:r>
+                      <a:endParaRPr lang="en-GB" dirty="0"/>
+                    </a:p>
+                  </a:txBody>
+                  <a:tcPr/>
+                </a:tc>
+                <a:tc>
+                  <a:txBody>
+                    <a:bodyPr/>
+                    <a:lstStyle/>
+                    <a:p>
+                      <a:r>
+                        <a:rPr lang="de-DE" dirty="0" smtClean="0"/>
+                        <a:t>0.000</a:t>
+                      </a:r>
+                      <a:endParaRPr lang="en-GB" dirty="0"/>
+                    </a:p>
+                  </a:txBody>
+                  <a:tcPr/>
+                </a:tc>
+              </a:tr>
+            </a:tbl>
+          </a:graphicData>
+        </a:graphic>
+      </p:graphicFrame>
+      <p:sp>
+        <p:nvSpPr>
+          <p:cNvPr id="6" name="Textfeld 5"/>
+          <p:cNvSpPr txBox="1"/>
+          <p:nvPr/>
+        </p:nvSpPr>
+        <p:spPr>
+          <a:xfrm>
+            <a:off x="412552" y="2412380"/>
+            <a:ext cx="5095552" cy="400110"/>
+          </a:xfrm>
+          <a:prstGeom prst="rect">
+            <a:avLst/>
+          </a:prstGeom>
+          <a:solidFill>
+            <a:schemeClr val="bg1"/>
+          </a:solidFill>
+        </p:spPr>
+        <p:txBody>
+          <a:bodyPr wrap="square" rtlCol="0">
+            <a:spAutoFit/>
+          </a:bodyPr>
+          <a:lstStyle/>
+          <a:p>
+            <a:r>
+              <a:rPr lang="de-DE" sz="2000" dirty="0" smtClean="0"/>
+              <a:t>Odds </a:t>
+            </a:r>
+            <a:r>
+              <a:rPr lang="de-DE" sz="2000" dirty="0" err="1" smtClean="0"/>
+              <a:t>ratios</a:t>
+            </a:r>
+            <a:r>
+              <a:rPr lang="de-DE" sz="2000" dirty="0" smtClean="0"/>
+              <a:t> </a:t>
+            </a:r>
+            <a:r>
+              <a:rPr lang="de-DE" sz="2000" dirty="0" err="1" smtClean="0"/>
+              <a:t>of</a:t>
+            </a:r>
+            <a:r>
+              <a:rPr lang="de-DE" sz="2000" dirty="0" smtClean="0"/>
+              <a:t> intergenerational </a:t>
+            </a:r>
+            <a:r>
+              <a:rPr lang="de-DE" sz="2000" dirty="0" err="1" smtClean="0"/>
+              <a:t>cohabitation</a:t>
+            </a:r>
+            <a:r>
+              <a:rPr lang="de-DE" sz="2000" dirty="0" smtClean="0"/>
+              <a:t> </a:t>
+            </a:r>
+            <a:endParaRPr lang="en-GB" sz="2000" dirty="0"/>
+          </a:p>
+        </p:txBody>
+      </p:sp>
+      <p:sp>
+        <p:nvSpPr>
+          <p:cNvPr id="7" name="Textfeld 6"/>
+          <p:cNvSpPr txBox="1"/>
+          <p:nvPr/>
+        </p:nvSpPr>
+        <p:spPr>
+          <a:xfrm>
+            <a:off x="412552" y="5332566"/>
+            <a:ext cx="2719288" cy="369332"/>
+          </a:xfrm>
+          <a:prstGeom prst="rect">
+            <a:avLst/>
+          </a:prstGeom>
+          <a:noFill/>
+        </p:spPr>
+        <p:txBody>
+          <a:bodyPr wrap="square" rtlCol="0">
+            <a:spAutoFit/>
+          </a:bodyPr>
+          <a:lstStyle/>
+          <a:p>
             <a:r>
               <a:rPr lang="de-DE" dirty="0" smtClean="0"/>
-              <a:t>: Familial Support</a:t>
-            </a:r>
-            <a:endParaRPr lang="de-DE" dirty="0"/>
-          </a:p>
-        </p:txBody>
-      </p:sp>
-      <p:sp>
-        <p:nvSpPr>
-          <p:cNvPr id="5" name="Inhaltsplatzhalter 4"/>
-          <p:cNvSpPr>
-            <a:spLocks noGrp="1"/>
-          </p:cNvSpPr>
-          <p:nvPr>
-            <p:ph idx="1"/>
-          </p:nvPr>
-        </p:nvSpPr>
-        <p:spPr/>
-        <p:txBody>
-          <a:bodyPr/>
-          <a:lstStyle/>
-          <a:p>
-            <a:endParaRPr lang="en-GB"/>
+              <a:t>N= 7016, 4106 HHs</a:t>
+            </a:r>
+            <a:endParaRPr lang="en-GB" dirty="0"/>
           </a:p>
         </p:txBody>
       </p:sp>
@@ -9148,6 +9206,13 @@
   <p:clrMapOvr>
     <a:masterClrMapping/>
   </p:clrMapOvr>
+  <p:timing>
+    <p:tnLst>
+      <p:par>
+        <p:cTn id="1" dur="indefinite" restart="never" nodeType="tmRoot"/>
+      </p:par>
+    </p:tnLst>
+  </p:timing>
 </p:sld>
 </file>
 
@@ -9185,23 +9250,11 @@
           <a:p>
             <a:r>
               <a:rPr lang="de-DE" dirty="0" err="1" smtClean="0"/>
-              <a:t>Results</a:t>
+              <a:t>To</a:t>
             </a:r>
             <a:r>
               <a:rPr lang="de-DE" dirty="0" smtClean="0"/>
-              <a:t>: </a:t>
-            </a:r>
-            <a:r>
-              <a:rPr lang="de-DE" dirty="0" err="1" smtClean="0"/>
-              <a:t>Contextual</a:t>
-            </a:r>
-            <a:r>
-              <a:rPr lang="de-DE" dirty="0" smtClean="0"/>
-              <a:t> </a:t>
-            </a:r>
-            <a:r>
-              <a:rPr lang="de-DE" dirty="0" err="1" smtClean="0"/>
-              <a:t>factors</a:t>
+              <a:t> do</a:t>
             </a:r>
             <a:endParaRPr lang="de-DE" dirty="0"/>
           </a:p>
@@ -9209,7 +9262,7 @@
       </p:sp>
       <p:sp>
         <p:nvSpPr>
-          <p:cNvPr id="3" name="Inhaltsplatzhalter 2"/>
+          <p:cNvPr id="5" name="Inhaltsplatzhalter 4"/>
           <p:cNvSpPr>
             <a:spLocks noGrp="1"/>
           </p:cNvSpPr>
@@ -9217,19 +9270,199 @@
             <p:ph idx="1"/>
           </p:nvPr>
         </p:nvSpPr>
-        <p:spPr/>
+        <p:spPr>
+          <a:xfrm>
+            <a:off x="380999" y="2060847"/>
+            <a:ext cx="7287345" cy="4065631"/>
+          </a:xfrm>
+        </p:spPr>
         <p:txBody>
           <a:bodyPr/>
           <a:lstStyle/>
           <a:p>
-            <a:endParaRPr lang="en-GB"/>
+            <a:r>
+              <a:rPr lang="de-DE" dirty="0" err="1" smtClean="0"/>
+              <a:t>Inclusion</a:t>
+            </a:r>
+            <a:r>
+              <a:rPr lang="de-DE" dirty="0" smtClean="0"/>
+              <a:t> </a:t>
+            </a:r>
+            <a:r>
+              <a:rPr lang="de-DE" dirty="0" err="1" smtClean="0"/>
+              <a:t>of</a:t>
+            </a:r>
+            <a:r>
+              <a:rPr lang="de-DE" dirty="0" smtClean="0"/>
+              <a:t> </a:t>
+            </a:r>
+            <a:r>
+              <a:rPr lang="de-DE" dirty="0" err="1" smtClean="0"/>
+              <a:t>lagged</a:t>
+            </a:r>
+            <a:r>
+              <a:rPr lang="de-DE" dirty="0" smtClean="0"/>
+              <a:t> </a:t>
+            </a:r>
+            <a:r>
+              <a:rPr lang="de-DE" dirty="0" err="1" smtClean="0"/>
+              <a:t>macro</a:t>
+            </a:r>
+            <a:r>
+              <a:rPr lang="de-DE" dirty="0" smtClean="0"/>
+              <a:t> </a:t>
+            </a:r>
+            <a:r>
+              <a:rPr lang="de-DE" dirty="0" err="1" smtClean="0"/>
+              <a:t>indicators</a:t>
+            </a:r>
+            <a:r>
+              <a:rPr lang="de-DE" dirty="0" smtClean="0"/>
+              <a:t> </a:t>
+            </a:r>
+          </a:p>
+          <a:p>
+            <a:pPr lvl="1"/>
+            <a:r>
+              <a:rPr lang="de-DE" dirty="0" smtClean="0"/>
+              <a:t>GDP, </a:t>
+            </a:r>
+            <a:r>
+              <a:rPr lang="de-DE" dirty="0" err="1" smtClean="0"/>
+              <a:t>unemployment</a:t>
+            </a:r>
+            <a:r>
+              <a:rPr lang="de-DE" dirty="0" smtClean="0"/>
+              <a:t> rate, </a:t>
+            </a:r>
+            <a:r>
+              <a:rPr lang="de-DE" dirty="0" err="1" smtClean="0"/>
+              <a:t>social</a:t>
+            </a:r>
+            <a:r>
+              <a:rPr lang="de-DE" dirty="0" smtClean="0"/>
+              <a:t> &amp; </a:t>
+            </a:r>
+            <a:r>
+              <a:rPr lang="de-DE" dirty="0" err="1" smtClean="0"/>
+              <a:t>family</a:t>
+            </a:r>
+            <a:r>
+              <a:rPr lang="de-DE" dirty="0" smtClean="0"/>
+              <a:t> </a:t>
+            </a:r>
+            <a:r>
+              <a:rPr lang="de-DE" dirty="0" err="1" smtClean="0"/>
+              <a:t>expenditures</a:t>
+            </a:r>
+            <a:r>
+              <a:rPr lang="de-DE" dirty="0" smtClean="0"/>
+              <a:t> </a:t>
+            </a:r>
+            <a:r>
+              <a:rPr lang="de-DE" dirty="0" err="1" smtClean="0"/>
+              <a:t>as</a:t>
+            </a:r>
+            <a:r>
+              <a:rPr lang="de-DE" dirty="0" smtClean="0"/>
+              <a:t> % </a:t>
+            </a:r>
+            <a:r>
+              <a:rPr lang="de-DE" dirty="0" err="1" smtClean="0"/>
+              <a:t>of</a:t>
+            </a:r>
+            <a:r>
+              <a:rPr lang="de-DE" dirty="0" smtClean="0"/>
+              <a:t> GDP</a:t>
+            </a:r>
+          </a:p>
+          <a:p>
+            <a:pPr lvl="1"/>
+            <a:endParaRPr lang="de-DE" dirty="0" smtClean="0"/>
+          </a:p>
+          <a:p>
+            <a:r>
+              <a:rPr lang="de-DE" dirty="0" smtClean="0"/>
+              <a:t>Control </a:t>
+            </a:r>
+            <a:r>
+              <a:rPr lang="de-DE" dirty="0" err="1" smtClean="0"/>
+              <a:t>for</a:t>
+            </a:r>
+            <a:r>
+              <a:rPr lang="de-DE" dirty="0" smtClean="0"/>
+              <a:t> </a:t>
+            </a:r>
+            <a:r>
+              <a:rPr lang="de-DE" dirty="0" err="1" smtClean="0"/>
+              <a:t>financial</a:t>
+            </a:r>
+            <a:r>
+              <a:rPr lang="de-DE" dirty="0" smtClean="0"/>
+              <a:t> </a:t>
+            </a:r>
+            <a:r>
+              <a:rPr lang="de-DE" dirty="0" err="1" smtClean="0"/>
+              <a:t>support</a:t>
+            </a:r>
+            <a:r>
+              <a:rPr lang="de-DE" dirty="0" smtClean="0"/>
+              <a:t> </a:t>
+            </a:r>
+            <a:r>
+              <a:rPr lang="de-DE" dirty="0" err="1" smtClean="0"/>
+              <a:t>of</a:t>
+            </a:r>
+            <a:r>
+              <a:rPr lang="de-DE" dirty="0" smtClean="0"/>
+              <a:t> </a:t>
+            </a:r>
+            <a:r>
+              <a:rPr lang="de-DE" dirty="0" err="1" smtClean="0"/>
+              <a:t>parents</a:t>
+            </a:r>
+            <a:r>
+              <a:rPr lang="de-DE" dirty="0" smtClean="0"/>
+              <a:t> </a:t>
+            </a:r>
+            <a:r>
+              <a:rPr lang="de-DE" dirty="0" err="1" smtClean="0"/>
+              <a:t>towards</a:t>
+            </a:r>
+            <a:r>
+              <a:rPr lang="de-DE" dirty="0" smtClean="0"/>
+              <a:t> </a:t>
+            </a:r>
+            <a:r>
+              <a:rPr lang="de-DE" dirty="0" err="1" smtClean="0"/>
+              <a:t>their</a:t>
+            </a:r>
+            <a:r>
+              <a:rPr lang="de-DE" dirty="0" smtClean="0"/>
+              <a:t> </a:t>
+            </a:r>
+            <a:r>
+              <a:rPr lang="de-DE" dirty="0" err="1" smtClean="0"/>
+              <a:t>children</a:t>
+            </a:r>
+            <a:endParaRPr lang="de-DE" dirty="0" smtClean="0"/>
+          </a:p>
+          <a:p>
+            <a:endParaRPr lang="de-DE" dirty="0"/>
+          </a:p>
+          <a:p>
+            <a:r>
+              <a:rPr lang="de-DE" dirty="0" smtClean="0"/>
+              <a:t>…</a:t>
+            </a:r>
+            <a:endParaRPr lang="en-GB" dirty="0"/>
           </a:p>
         </p:txBody>
       </p:sp>
     </p:spTree>
     <p:extLst>
       <p:ext uri="{BB962C8B-B14F-4D97-AF65-F5344CB8AC3E}">
-        <p14:creationId xmlns:p14="http://schemas.microsoft.com/office/powerpoint/2010/main" val="1524021402"/>
+        <p14:creationId xmlns:p14="http://schemas.microsoft.com/office/powerpoint/2010/main" val="631248533"/>
       </p:ext>
     </p:extLst>
   </p:cSld>
@@ -9296,64 +9529,21 @@
             <p:ph idx="1"/>
           </p:nvPr>
         </p:nvSpPr>
-        <p:spPr/>
+        <p:spPr>
+          <a:xfrm>
+            <a:off x="179511" y="1719070"/>
+            <a:ext cx="8784977" cy="4878281"/>
+          </a:xfrm>
+        </p:spPr>
         <p:txBody>
           <a:bodyPr>
-            <a:normAutofit/>
+            <a:normAutofit lnSpcReduction="10000"/>
           </a:bodyPr>
           <a:lstStyle/>
           <a:p>
             <a:r>
-              <a:rPr lang="de-DE" dirty="0" smtClean="0"/>
-              <a:t>Keep </a:t>
-            </a:r>
-            <a:r>
-              <a:rPr lang="de-DE" dirty="0" err="1" smtClean="0"/>
-              <a:t>young</a:t>
-            </a:r>
-            <a:r>
-              <a:rPr lang="de-DE" dirty="0" smtClean="0"/>
-              <a:t> </a:t>
-            </a:r>
-            <a:r>
-              <a:rPr lang="de-DE" dirty="0" err="1" smtClean="0"/>
-              <a:t>adults</a:t>
-            </a:r>
-            <a:r>
-              <a:rPr lang="de-DE" dirty="0" smtClean="0"/>
-              <a:t> </a:t>
-            </a:r>
-            <a:r>
-              <a:rPr lang="de-DE" dirty="0" err="1" smtClean="0"/>
-              <a:t>whose</a:t>
-            </a:r>
-            <a:r>
-              <a:rPr lang="de-DE" dirty="0" smtClean="0"/>
-              <a:t> </a:t>
-            </a:r>
-            <a:r>
-              <a:rPr lang="de-DE" dirty="0" err="1" smtClean="0"/>
-              <a:t>parents</a:t>
-            </a:r>
-            <a:r>
-              <a:rPr lang="de-DE" dirty="0" smtClean="0"/>
-              <a:t> </a:t>
-            </a:r>
-            <a:r>
-              <a:rPr lang="de-DE" dirty="0" err="1" smtClean="0"/>
-              <a:t>are</a:t>
-            </a:r>
-            <a:r>
-              <a:rPr lang="de-DE" dirty="0" smtClean="0"/>
-              <a:t> </a:t>
-            </a:r>
-            <a:r>
-              <a:rPr lang="de-DE" dirty="0" err="1" smtClean="0"/>
-              <a:t>separated</a:t>
-            </a:r>
-            <a:r>
-              <a:rPr lang="de-DE" dirty="0" smtClean="0"/>
-              <a:t>?</a:t>
+              <a:rPr lang="en-US" dirty="0" smtClean="0"/>
+              <a:t>Keep young adults whose parents are separated?</a:t>
             </a:r>
           </a:p>
           <a:p>
@@ -9361,58 +9551,84 @@
               <a:buNone/>
             </a:pPr>
             <a:r>
-              <a:rPr lang="de-DE" sz="2000" dirty="0" smtClean="0"/>
-              <a:t>+ </a:t>
-            </a:r>
-            <a:r>
-              <a:rPr lang="de-DE" sz="2000" dirty="0" err="1" smtClean="0"/>
-              <a:t>No</a:t>
-            </a:r>
-            <a:r>
-              <a:rPr lang="de-DE" sz="2000" dirty="0" smtClean="0"/>
-              <a:t> </a:t>
-            </a:r>
-            <a:r>
-              <a:rPr lang="de-DE" sz="2000" dirty="0" err="1" smtClean="0"/>
-              <a:t>bias</a:t>
-            </a:r>
-            <a:r>
-              <a:rPr lang="de-DE" sz="2000" dirty="0" smtClean="0"/>
-              <a:t> </a:t>
-            </a:r>
-            <a:r>
-              <a:rPr lang="de-DE" sz="2000" dirty="0" err="1" smtClean="0"/>
-              <a:t>regarding</a:t>
-            </a:r>
-            <a:r>
-              <a:rPr lang="de-DE" sz="2000" dirty="0" smtClean="0"/>
-              <a:t> </a:t>
-            </a:r>
-            <a:r>
-              <a:rPr lang="de-DE" sz="2000" dirty="0" err="1" smtClean="0"/>
-              <a:t>family</a:t>
-            </a:r>
-            <a:r>
-              <a:rPr lang="de-DE" sz="2000" dirty="0" smtClean="0"/>
-              <a:t> </a:t>
-            </a:r>
-            <a:r>
-              <a:rPr lang="de-DE" sz="2000" dirty="0" err="1" smtClean="0"/>
-              <a:t>structure</a:t>
-            </a:r>
-            <a:endParaRPr lang="de-DE" sz="2000" dirty="0" smtClean="0"/>
+              <a:rPr lang="en-US" sz="2000" dirty="0" smtClean="0"/>
+              <a:t>+ No bias regarding family structure</a:t>
+            </a:r>
           </a:p>
           <a:p>
             <a:pPr marL="365760" lvl="1" indent="0">
               <a:buNone/>
             </a:pPr>
             <a:r>
+              <a:rPr lang="en-US" sz="2000" dirty="0" smtClean="0"/>
+              <a:t> - A separated parent might not have to offer cohabitation to a young adult in need if the other parent does so</a:t>
+            </a:r>
+          </a:p>
+          <a:p>
+            <a:pPr marL="723900" lvl="1" indent="0" defTabSz="901700"/>
+            <a:r>
+              <a:rPr lang="en-US" sz="2000" dirty="0" smtClean="0"/>
+              <a:t> no information: </a:t>
+            </a:r>
+            <a:r>
+              <a:rPr lang="de-DE" sz="2000" dirty="0" err="1" smtClean="0"/>
+              <a:t>child</a:t>
+            </a:r>
+            <a:r>
               <a:rPr lang="de-DE" sz="2000" dirty="0" smtClean="0"/>
-              <a:t> - A </a:t>
+              <a:t> </a:t>
             </a:r>
             <a:r>
               <a:rPr lang="de-DE" sz="2000" dirty="0" err="1" smtClean="0"/>
-              <a:t>separated</a:t>
+              <a:t>is</a:t>
+            </a:r>
+            <a:r>
+              <a:rPr lang="de-DE" sz="2000" dirty="0" smtClean="0"/>
+              <a:t> </a:t>
+            </a:r>
+            <a:r>
+              <a:rPr lang="de-DE" sz="2000" dirty="0" err="1" smtClean="0"/>
+              <a:t>living</a:t>
+            </a:r>
+            <a:r>
+              <a:rPr lang="de-DE" sz="2000" dirty="0" smtClean="0"/>
+              <a:t> on </a:t>
+            </a:r>
+            <a:r>
+              <a:rPr lang="de-DE" sz="2000" dirty="0" err="1" smtClean="0"/>
+              <a:t>its</a:t>
+            </a:r>
+            <a:r>
+              <a:rPr lang="de-DE" sz="2000" dirty="0" smtClean="0"/>
+              <a:t> </a:t>
+            </a:r>
+            <a:r>
+              <a:rPr lang="de-DE" sz="2000" dirty="0" err="1" smtClean="0"/>
+              <a:t>own</a:t>
+            </a:r>
+            <a:r>
+              <a:rPr lang="de-DE" sz="2000" dirty="0" smtClean="0"/>
+              <a:t> </a:t>
+            </a:r>
+            <a:r>
+              <a:rPr lang="de-DE" sz="2000" dirty="0" err="1" smtClean="0"/>
+              <a:t>or</a:t>
+            </a:r>
+            <a:r>
+              <a:rPr lang="de-DE" sz="2000" dirty="0" smtClean="0"/>
+              <a:t> </a:t>
+            </a:r>
+            <a:r>
+              <a:rPr lang="de-DE" sz="2000" dirty="0" err="1" smtClean="0"/>
+              <a:t>with</a:t>
+            </a:r>
+            <a:r>
+              <a:rPr lang="de-DE" sz="2000" dirty="0" smtClean="0"/>
+              <a:t> </a:t>
+            </a:r>
+            <a:r>
+              <a:rPr lang="de-DE" sz="2000" dirty="0" err="1" smtClean="0"/>
+              <a:t>other</a:t>
             </a:r>
             <a:r>
               <a:rPr lang="de-DE" sz="2000" dirty="0" smtClean="0"/>
@@ -9422,214 +9638,75 @@
               <a:rPr lang="de-DE" sz="2000" dirty="0" err="1" smtClean="0"/>
               <a:t>parent</a:t>
             </a:r>
-            <a:r>
-              <a:rPr lang="de-DE" sz="2000" dirty="0" smtClean="0"/>
-              <a:t> </a:t>
-            </a:r>
-            <a:r>
-              <a:rPr lang="de-DE" sz="2000" dirty="0" err="1" smtClean="0"/>
-              <a:t>might</a:t>
-            </a:r>
-            <a:r>
-              <a:rPr lang="de-DE" sz="2000" dirty="0" smtClean="0"/>
-              <a:t> not </a:t>
-            </a:r>
-            <a:r>
-              <a:rPr lang="de-DE" sz="2000" dirty="0" err="1" smtClean="0"/>
-              <a:t>have</a:t>
-            </a:r>
-            <a:r>
-              <a:rPr lang="de-DE" sz="2000" dirty="0" smtClean="0"/>
-              <a:t> </a:t>
-            </a:r>
-            <a:r>
-              <a:rPr lang="de-DE" sz="2000" dirty="0" err="1" smtClean="0"/>
-              <a:t>to</a:t>
-            </a:r>
-            <a:r>
-              <a:rPr lang="de-DE" sz="2000" dirty="0" smtClean="0"/>
-              <a:t> </a:t>
-            </a:r>
-            <a:r>
-              <a:rPr lang="de-DE" sz="2000" dirty="0" err="1" smtClean="0"/>
-              <a:t>offer</a:t>
-            </a:r>
-            <a:r>
-              <a:rPr lang="de-DE" sz="2000" dirty="0" smtClean="0"/>
-              <a:t> </a:t>
-            </a:r>
-            <a:r>
-              <a:rPr lang="de-DE" sz="2000" dirty="0" err="1" smtClean="0"/>
-              <a:t>cohabitation</a:t>
-            </a:r>
-            <a:r>
-              <a:rPr lang="de-DE" sz="2000" dirty="0" smtClean="0"/>
-              <a:t> </a:t>
-            </a:r>
-            <a:r>
-              <a:rPr lang="de-DE" sz="2000" dirty="0" err="1" smtClean="0"/>
-              <a:t>to</a:t>
-            </a:r>
-            <a:r>
-              <a:rPr lang="de-DE" sz="2000" dirty="0" smtClean="0"/>
-              <a:t> a </a:t>
-            </a:r>
-            <a:r>
-              <a:rPr lang="de-DE" sz="2000" dirty="0" err="1" smtClean="0"/>
-              <a:t>young</a:t>
-            </a:r>
-            <a:r>
-              <a:rPr lang="de-DE" sz="2000" dirty="0" smtClean="0"/>
-              <a:t> adult in </a:t>
-            </a:r>
-            <a:r>
-              <a:rPr lang="de-DE" sz="2000" dirty="0" err="1" smtClean="0"/>
-              <a:t>need</a:t>
-            </a:r>
-            <a:r>
-              <a:rPr lang="de-DE" sz="2000" dirty="0" smtClean="0"/>
-              <a:t> </a:t>
-            </a:r>
-            <a:r>
-              <a:rPr lang="de-DE" sz="2000" dirty="0" err="1" smtClean="0"/>
-              <a:t>if</a:t>
-            </a:r>
-            <a:r>
-              <a:rPr lang="de-DE" sz="2000" dirty="0" smtClean="0"/>
-              <a:t> </a:t>
-            </a:r>
-            <a:r>
-              <a:rPr lang="de-DE" sz="2000" dirty="0" err="1" smtClean="0"/>
-              <a:t>the</a:t>
-            </a:r>
-            <a:r>
-              <a:rPr lang="de-DE" sz="2000" dirty="0" smtClean="0"/>
-              <a:t> </a:t>
-            </a:r>
-            <a:r>
-              <a:rPr lang="de-DE" sz="2000" dirty="0" err="1" smtClean="0"/>
-              <a:t>other</a:t>
-            </a:r>
-            <a:r>
-              <a:rPr lang="de-DE" sz="2000" dirty="0" smtClean="0"/>
-              <a:t> </a:t>
-            </a:r>
-            <a:r>
-              <a:rPr lang="de-DE" sz="2000" dirty="0" err="1" smtClean="0"/>
-              <a:t>parent</a:t>
-            </a:r>
-            <a:r>
-              <a:rPr lang="de-DE" sz="2000" dirty="0" smtClean="0"/>
-              <a:t> </a:t>
-            </a:r>
-            <a:r>
-              <a:rPr lang="de-DE" sz="2000" dirty="0" err="1" smtClean="0"/>
-              <a:t>does</a:t>
-            </a:r>
-            <a:r>
-              <a:rPr lang="de-DE" sz="2000" dirty="0" smtClean="0"/>
-              <a:t> so</a:t>
-            </a:r>
-          </a:p>
-          <a:p>
-            <a:pPr marL="901700" lvl="1" indent="0" defTabSz="901700"/>
-            <a:r>
-              <a:rPr lang="de-DE" sz="2000" dirty="0" smtClean="0"/>
-              <a:t> </a:t>
-            </a:r>
-            <a:r>
-              <a:rPr lang="de-DE" sz="2000" dirty="0" err="1" smtClean="0"/>
-              <a:t>no</a:t>
-            </a:r>
-            <a:r>
-              <a:rPr lang="de-DE" sz="2000" dirty="0" smtClean="0"/>
-              <a:t> </a:t>
-            </a:r>
-            <a:r>
-              <a:rPr lang="de-DE" sz="2000" dirty="0" err="1" smtClean="0"/>
-              <a:t>information</a:t>
-            </a:r>
-            <a:r>
-              <a:rPr lang="de-DE" sz="2000" dirty="0" smtClean="0"/>
-              <a:t> </a:t>
-            </a:r>
-            <a:r>
-              <a:rPr lang="de-DE" sz="2000" dirty="0" err="1" smtClean="0"/>
-              <a:t>whether</a:t>
-            </a:r>
-            <a:r>
-              <a:rPr lang="de-DE" sz="2000" dirty="0" smtClean="0"/>
-              <a:t> </a:t>
-            </a:r>
-            <a:r>
-              <a:rPr lang="de-DE" sz="2000" dirty="0" err="1" smtClean="0"/>
-              <a:t>child</a:t>
-            </a:r>
-            <a:r>
-              <a:rPr lang="de-DE" sz="2000" dirty="0" smtClean="0"/>
-              <a:t> </a:t>
-            </a:r>
-            <a:r>
-              <a:rPr lang="de-DE" sz="2000" dirty="0" err="1" smtClean="0"/>
-              <a:t>is</a:t>
-            </a:r>
-            <a:r>
-              <a:rPr lang="de-DE" sz="2000" dirty="0" smtClean="0"/>
-              <a:t> </a:t>
-            </a:r>
-            <a:r>
-              <a:rPr lang="de-DE" sz="2000" dirty="0" err="1" smtClean="0"/>
-              <a:t>living</a:t>
-            </a:r>
-            <a:r>
-              <a:rPr lang="de-DE" sz="2000" dirty="0" smtClean="0"/>
-              <a:t> on </a:t>
-            </a:r>
-            <a:r>
-              <a:rPr lang="de-DE" sz="2000" dirty="0" err="1" smtClean="0"/>
-              <a:t>its</a:t>
-            </a:r>
-            <a:r>
-              <a:rPr lang="de-DE" sz="2000" dirty="0" smtClean="0"/>
-              <a:t> </a:t>
-            </a:r>
-            <a:r>
-              <a:rPr lang="de-DE" sz="2000" dirty="0" err="1" smtClean="0"/>
-              <a:t>own</a:t>
-            </a:r>
-            <a:r>
-              <a:rPr lang="de-DE" sz="2000" dirty="0" smtClean="0"/>
-              <a:t> </a:t>
-            </a:r>
-            <a:r>
-              <a:rPr lang="de-DE" sz="2000" dirty="0" err="1" smtClean="0"/>
-              <a:t>or</a:t>
-            </a:r>
-            <a:r>
-              <a:rPr lang="de-DE" sz="2000" dirty="0" smtClean="0"/>
-              <a:t> </a:t>
-            </a:r>
-            <a:r>
-              <a:rPr lang="de-DE" sz="2000" dirty="0" err="1" smtClean="0"/>
-              <a:t>with</a:t>
-            </a:r>
-            <a:r>
-              <a:rPr lang="de-DE" sz="2000" dirty="0" smtClean="0"/>
-              <a:t> </a:t>
-            </a:r>
-            <a:r>
-              <a:rPr lang="de-DE" sz="2000" dirty="0" err="1" smtClean="0"/>
-              <a:t>other</a:t>
-            </a:r>
-            <a:r>
-              <a:rPr lang="de-DE" sz="2000" dirty="0" smtClean="0"/>
-              <a:t> </a:t>
-            </a:r>
-            <a:r>
-              <a:rPr lang="de-DE" sz="2000" dirty="0" err="1" smtClean="0"/>
-              <a:t>parent</a:t>
-            </a:r>
-            <a:endParaRPr lang="en-GB" sz="2000" dirty="0"/>
+            <a:endParaRPr lang="en-GB" sz="2000" dirty="0" smtClean="0"/>
+          </a:p>
+          <a:p>
+            <a:endParaRPr lang="en-US" dirty="0" smtClean="0"/>
+          </a:p>
+          <a:p>
+            <a:r>
+              <a:rPr lang="en-US" dirty="0" smtClean="0"/>
+              <a:t>Create variable „percentage of children supported“ even though a max. number </a:t>
+            </a:r>
+            <a:r>
+              <a:rPr lang="de-DE" dirty="0" err="1" smtClean="0"/>
+              <a:t>of</a:t>
+            </a:r>
+            <a:r>
+              <a:rPr lang="de-DE" dirty="0" smtClean="0"/>
+              <a:t> 3 </a:t>
+            </a:r>
+            <a:r>
+              <a:rPr lang="de-DE" dirty="0" err="1" smtClean="0"/>
+              <a:t>children</a:t>
+            </a:r>
+            <a:r>
+              <a:rPr lang="de-DE" dirty="0" smtClean="0"/>
+              <a:t> </a:t>
+            </a:r>
+            <a:r>
+              <a:rPr lang="de-DE" dirty="0" err="1" smtClean="0"/>
+              <a:t>can</a:t>
+            </a:r>
+            <a:r>
+              <a:rPr lang="de-DE" dirty="0" smtClean="0"/>
+              <a:t> </a:t>
+            </a:r>
+            <a:r>
+              <a:rPr lang="de-DE" dirty="0" err="1" smtClean="0"/>
+              <a:t>be</a:t>
+            </a:r>
+            <a:r>
+              <a:rPr lang="de-DE" dirty="0" smtClean="0"/>
+              <a:t> </a:t>
+            </a:r>
+            <a:r>
+              <a:rPr lang="de-DE" dirty="0" err="1" smtClean="0"/>
+              <a:t>named</a:t>
+            </a:r>
+            <a:r>
+              <a:rPr lang="de-DE" dirty="0" smtClean="0"/>
+              <a:t>?</a:t>
+            </a:r>
+          </a:p>
+          <a:p>
+            <a:endParaRPr lang="en-US" sz="2000" dirty="0" smtClean="0"/>
+          </a:p>
+          <a:p>
+            <a:r>
+              <a:rPr lang="en-US" dirty="0" smtClean="0"/>
+              <a:t>Other ideas for operationalization of support: support variable for each sibling, separate for mother and father etc.?</a:t>
+            </a:r>
+          </a:p>
+          <a:p>
+            <a:endParaRPr lang="en-US" sz="2000" dirty="0" smtClean="0"/>
+          </a:p>
+          <a:p>
+            <a:r>
+              <a:rPr lang="en-US" dirty="0" smtClean="0"/>
+              <a:t>90% of young adults have only siblings who are not supported by their parents…</a:t>
+            </a:r>
+            <a:endParaRPr lang="en-US" sz="2000" dirty="0"/>
           </a:p>
         </p:txBody>
       </p:sp>
@@ -9682,8 +9759,8 @@
         </p:nvSpPr>
         <p:spPr>
           <a:xfrm>
-            <a:off x="457200" y="1752600"/>
-            <a:ext cx="8229600" cy="4556720"/>
+            <a:off x="457200" y="2060848"/>
+            <a:ext cx="8229600" cy="3528392"/>
           </a:xfrm>
         </p:spPr>
         <p:txBody>
@@ -9692,88 +9769,185 @@
           </a:bodyPr>
           <a:lstStyle/>
           <a:p>
-            <a:r>
-              <a:rPr lang="en-GB" dirty="0"/>
-              <a:t>Key driver of residential autonomy: economic independence </a:t>
-            </a:r>
-            <a:r>
-              <a:rPr lang="en-GB" sz="1600" dirty="0"/>
-              <a:t>(Furstenberg et al., </a:t>
-            </a:r>
-            <a:r>
-              <a:rPr lang="en-GB" sz="1600" dirty="0" smtClean="0"/>
-              <a:t>2008)</a:t>
-            </a:r>
-          </a:p>
-          <a:p>
-            <a:pPr marL="114300" indent="0">
-              <a:buNone/>
-            </a:pPr>
-            <a:endParaRPr lang="en-GB" sz="1600" dirty="0"/>
-          </a:p>
-          <a:p>
-            <a:pPr marL="114300" indent="0">
-              <a:buNone/>
-            </a:pPr>
-            <a:endParaRPr lang="de-DE" dirty="0"/>
-          </a:p>
-          <a:p>
             <a:pPr>
               <a:buFont typeface="Wingdings" panose="05000000000000000000" pitchFamily="2" charset="2"/>
-              <a:buChar char="Ø"/>
+              <a:buChar char="§"/>
             </a:pPr>
             <a:r>
-              <a:rPr lang="de-DE" dirty="0" err="1"/>
-              <a:t>Cohabitation</a:t>
-            </a:r>
-            <a:r>
-              <a:rPr lang="de-DE" dirty="0"/>
-              <a:t> </a:t>
-            </a:r>
-            <a:r>
-              <a:rPr lang="de-DE" dirty="0" err="1"/>
-              <a:t>as</a:t>
-            </a:r>
-            <a:r>
-              <a:rPr lang="de-DE" dirty="0"/>
-              <a:t> an </a:t>
-            </a:r>
-            <a:r>
-              <a:rPr lang="de-DE" dirty="0" err="1"/>
+              <a:rPr lang="de-DE" sz="2400" dirty="0" smtClean="0">
+                <a:solidFill>
+                  <a:srgbClr val="4D4D4D"/>
+                </a:solidFill>
+              </a:rPr>
+              <a:t>Intergenerational </a:t>
+            </a:r>
+            <a:r>
+              <a:rPr lang="de-DE" sz="2400" dirty="0" err="1" smtClean="0">
+                <a:solidFill>
+                  <a:srgbClr val="4D4D4D"/>
+                </a:solidFill>
+              </a:rPr>
+              <a:t>c</a:t>
+            </a:r>
+            <a:r>
+              <a:rPr lang="de-DE" sz="2400" dirty="0" err="1" smtClean="0">
+                <a:solidFill>
+                  <a:srgbClr val="4D4D4D"/>
+                </a:solidFill>
+              </a:rPr>
+              <a:t>ohabitation</a:t>
+            </a:r>
+            <a:r>
+              <a:rPr lang="de-DE" sz="2400" dirty="0" smtClean="0">
+                <a:solidFill>
+                  <a:srgbClr val="4D4D4D"/>
+                </a:solidFill>
+              </a:rPr>
+              <a:t> </a:t>
+            </a:r>
+            <a:r>
+              <a:rPr lang="de-DE" sz="2400" dirty="0" err="1" smtClean="0">
+                <a:solidFill>
+                  <a:srgbClr val="4D4D4D"/>
+                </a:solidFill>
+              </a:rPr>
+              <a:t>is</a:t>
+            </a:r>
+            <a:r>
+              <a:rPr lang="de-DE" sz="2400" dirty="0" smtClean="0">
+                <a:solidFill>
+                  <a:srgbClr val="4D4D4D"/>
+                </a:solidFill>
+              </a:rPr>
+              <a:t> </a:t>
+            </a:r>
+            <a:r>
+              <a:rPr lang="de-DE" sz="2400" dirty="0">
+                <a:solidFill>
+                  <a:srgbClr val="4D4D4D"/>
+                </a:solidFill>
+              </a:rPr>
+              <a:t>an </a:t>
+            </a:r>
+            <a:r>
+              <a:rPr lang="de-DE" sz="2400" dirty="0" err="1">
+                <a:solidFill>
+                  <a:srgbClr val="4D4D4D"/>
+                </a:solidFill>
+              </a:rPr>
               <a:t>information</a:t>
             </a:r>
             <a:r>
-              <a:rPr lang="de-DE" dirty="0"/>
-              <a:t> </a:t>
-            </a:r>
-            <a:r>
-              <a:rPr lang="de-DE" dirty="0" err="1"/>
+              <a:rPr lang="de-DE" sz="2400" dirty="0">
+                <a:solidFill>
+                  <a:srgbClr val="4D4D4D"/>
+                </a:solidFill>
+              </a:rPr>
+              <a:t> </a:t>
+            </a:r>
+            <a:r>
+              <a:rPr lang="de-DE" sz="2400" dirty="0" err="1">
+                <a:solidFill>
+                  <a:srgbClr val="4D4D4D"/>
+                </a:solidFill>
+              </a:rPr>
               <a:t>source</a:t>
             </a:r>
             <a:r>
-              <a:rPr lang="de-DE" dirty="0"/>
-              <a:t> </a:t>
-            </a:r>
-            <a:r>
-              <a:rPr lang="en-GB" dirty="0">
-                <a:solidFill>
-                  <a:schemeClr val="accent6">
-                    <a:lumMod val="75000"/>
-                  </a:schemeClr>
+              <a:rPr lang="de-DE" sz="2400" dirty="0">
+                <a:solidFill>
+                  <a:srgbClr val="4D4D4D"/>
+                </a:solidFill>
+              </a:rPr>
+              <a:t> </a:t>
+            </a:r>
+            <a:r>
+              <a:rPr lang="en-GB" sz="2400" dirty="0">
+                <a:solidFill>
+                  <a:srgbClr val="4D4D4D"/>
                 </a:solidFill>
               </a:rPr>
               <a:t>indicating which economic insecurities are not sufficiently counterbalanced by existing welfare policies</a:t>
             </a:r>
-            <a:endParaRPr lang="de-DE" dirty="0">
+            <a:endParaRPr lang="de-DE" sz="2400" dirty="0">
               <a:solidFill>
-                <a:schemeClr val="accent6">
-                  <a:lumMod val="75000"/>
-                </a:schemeClr>
+                <a:srgbClr val="4D4D4D"/>
               </a:solidFill>
             </a:endParaRPr>
           </a:p>
           <a:p>
-            <a:endParaRPr lang="en-GB" dirty="0"/>
+            <a:endParaRPr lang="de-DE" sz="2400" dirty="0" smtClean="0"/>
+          </a:p>
+          <a:p>
+            <a:r>
+              <a:rPr lang="en-US" sz="2400" dirty="0" smtClean="0"/>
+              <a:t>Although the topic seems straight forward, the moderate explanatory </a:t>
+            </a:r>
+            <a:r>
+              <a:rPr lang="de-DE" sz="2400" dirty="0" smtClean="0"/>
+              <a:t>power </a:t>
+            </a:r>
+            <a:r>
+              <a:rPr lang="de-DE" sz="2400" dirty="0" err="1" smtClean="0"/>
+              <a:t>of</a:t>
+            </a:r>
+            <a:r>
+              <a:rPr lang="de-DE" sz="2400" dirty="0" smtClean="0"/>
+              <a:t> </a:t>
+            </a:r>
+            <a:r>
+              <a:rPr lang="de-DE" sz="2400" dirty="0" err="1" smtClean="0"/>
+              <a:t>numerous</a:t>
+            </a:r>
+            <a:r>
+              <a:rPr lang="de-DE" sz="2400" dirty="0" smtClean="0"/>
+              <a:t> </a:t>
+            </a:r>
+            <a:r>
+              <a:rPr lang="de-DE" sz="2400" dirty="0" err="1" smtClean="0"/>
+              <a:t>papers</a:t>
+            </a:r>
+            <a:r>
+              <a:rPr lang="de-DE" sz="2400" dirty="0" smtClean="0"/>
+              <a:t> </a:t>
+            </a:r>
+            <a:r>
+              <a:rPr lang="de-DE" sz="2400" dirty="0" err="1" smtClean="0"/>
+              <a:t>bears</a:t>
+            </a:r>
+            <a:r>
+              <a:rPr lang="de-DE" sz="2400" dirty="0" smtClean="0"/>
+              <a:t> </a:t>
+            </a:r>
+            <a:r>
+              <a:rPr lang="de-DE" sz="2400" dirty="0" err="1" smtClean="0"/>
+              <a:t>witness</a:t>
+            </a:r>
+            <a:r>
+              <a:rPr lang="de-DE" sz="2400" dirty="0" smtClean="0"/>
+              <a:t> </a:t>
+            </a:r>
+            <a:r>
+              <a:rPr lang="de-DE" sz="2400" dirty="0" err="1" smtClean="0"/>
+              <a:t>to</a:t>
+            </a:r>
+            <a:r>
+              <a:rPr lang="de-DE" sz="2400" dirty="0" smtClean="0"/>
+              <a:t> </a:t>
+            </a:r>
+            <a:r>
+              <a:rPr lang="de-DE" sz="2400" dirty="0" err="1" smtClean="0"/>
+              <a:t>its</a:t>
+            </a:r>
+            <a:r>
+              <a:rPr lang="de-DE" sz="2400" dirty="0" smtClean="0"/>
+              <a:t> </a:t>
+            </a:r>
+            <a:r>
+              <a:rPr lang="en-US" sz="2400" dirty="0" smtClean="0"/>
+              <a:t>complexity</a:t>
+            </a:r>
+            <a:endParaRPr lang="en-US" sz="2400" dirty="0"/>
           </a:p>
         </p:txBody>
       </p:sp>
@@ -9817,6 +9991,13 @@
   <p:clrMapOvr>
     <a:masterClrMapping/>
   </p:clrMapOvr>
+  <p:timing>
+    <p:tnLst>
+      <p:par>
+        <p:cTn id="1" dur="indefinite" restart="never" nodeType="tmRoot"/>
+      </p:par>
+    </p:tnLst>
+  </p:timing>
 </p:sld>
 </file>
 
@@ -10160,6 +10341,13 @@
   <p:clrMapOvr>
     <a:masterClrMapping/>
   </p:clrMapOvr>
+  <p:timing>
+    <p:tnLst>
+      <p:par>
+        <p:cTn id="1" dur="indefinite" restart="never" nodeType="tmRoot"/>
+      </p:par>
+    </p:tnLst>
+  </p:timing>
 </p:sld>
 </file>
 
@@ -10219,7 +10407,6 @@
               <a:rPr lang="en-GB" dirty="0" smtClean="0"/>
               <a:t>needs: economic, social, care </a:t>
             </a:r>
-            <a:endParaRPr lang="en-GB" dirty="0" smtClean="0"/>
           </a:p>
           <a:p>
             <a:pPr marL="1300163" indent="0">
@@ -10241,11 +10428,7 @@
             <a:pPr marL="1528763"/>
             <a:r>
               <a:rPr lang="en-GB" dirty="0" smtClean="0"/>
-              <a:t>family structure: e.g. relationship status, number of children </a:t>
-            </a:r>
-            <a:r>
-              <a:rPr lang="en-GB" dirty="0" smtClean="0"/>
-              <a:t>of both generations</a:t>
+              <a:t>family structure: e.g. relationship status, number of children of both generations</a:t>
             </a:r>
           </a:p>
           <a:p>
@@ -10322,6 +10505,13 @@
   <p:clrMapOvr>
     <a:masterClrMapping/>
   </p:clrMapOvr>
+  <p:timing>
+    <p:tnLst>
+      <p:par>
+        <p:cTn id="1" dur="indefinite" restart="never" nodeType="tmRoot"/>
+      </p:par>
+    </p:tnLst>
+  </p:timing>
 </p:sld>
 </file>
 
@@ -10482,11 +10672,7 @@
             </a:r>
             <a:r>
               <a:rPr lang="de-DE" dirty="0" smtClean="0"/>
-              <a:t>! </a:t>
-            </a:r>
-            <a:r>
-              <a:rPr lang="de-DE" dirty="0" smtClean="0"/>
-              <a:t>Familialistic </a:t>
+              <a:t>! Familialistic </a:t>
             </a:r>
             <a:r>
               <a:rPr lang="de-DE" dirty="0" err="1" smtClean="0"/>
@@ -10502,11 +10688,7 @@
             </a:r>
             <a:r>
               <a:rPr lang="de-DE" dirty="0" smtClean="0"/>
-              <a:t> </a:t>
-            </a:r>
-            <a:r>
-              <a:rPr lang="de-DE" dirty="0" smtClean="0"/>
-              <a:t>a </a:t>
+              <a:t> a </a:t>
             </a:r>
             <a:r>
               <a:rPr lang="de-DE" dirty="0" err="1" smtClean="0"/>
@@ -10527,6 +10709,109 @@
               <a:rPr lang="en-GB" dirty="0" smtClean="0"/>
               <a:t>solidarity</a:t>
             </a:r>
+          </a:p>
+          <a:p>
+            <a:pPr marL="1100138" indent="-342900">
+              <a:buFont typeface="Wingdings" panose="05000000000000000000" pitchFamily="2" charset="2"/>
+              <a:buChar char="§"/>
+            </a:pPr>
+            <a:r>
+              <a:rPr lang="de-DE" dirty="0" smtClean="0"/>
+              <a:t>Not </a:t>
+            </a:r>
+            <a:r>
+              <a:rPr lang="de-DE" dirty="0" err="1" smtClean="0"/>
+              <a:t>only</a:t>
+            </a:r>
+            <a:r>
+              <a:rPr lang="de-DE" dirty="0" smtClean="0"/>
+              <a:t> </a:t>
+            </a:r>
+            <a:r>
+              <a:rPr lang="de-DE" dirty="0" err="1" smtClean="0"/>
+              <a:t>the</a:t>
+            </a:r>
+            <a:r>
+              <a:rPr lang="de-DE" dirty="0" smtClean="0"/>
+              <a:t> </a:t>
+            </a:r>
+            <a:r>
+              <a:rPr lang="de-DE" dirty="0" err="1" smtClean="0"/>
+              <a:t>need</a:t>
+            </a:r>
+            <a:r>
+              <a:rPr lang="de-DE" dirty="0" smtClean="0"/>
+              <a:t> </a:t>
+            </a:r>
+            <a:r>
+              <a:rPr lang="de-DE" dirty="0" err="1" smtClean="0"/>
+              <a:t>itself</a:t>
+            </a:r>
+            <a:r>
+              <a:rPr lang="de-DE" dirty="0" smtClean="0"/>
+              <a:t> </a:t>
+            </a:r>
+            <a:r>
+              <a:rPr lang="de-DE" dirty="0" err="1" smtClean="0"/>
+              <a:t>determines</a:t>
+            </a:r>
+            <a:r>
+              <a:rPr lang="de-DE" dirty="0" smtClean="0"/>
+              <a:t> an </a:t>
+            </a:r>
+            <a:r>
+              <a:rPr lang="de-DE" dirty="0" err="1" smtClean="0"/>
+              <a:t>offer</a:t>
+            </a:r>
+            <a:r>
+              <a:rPr lang="de-DE" dirty="0" smtClean="0"/>
+              <a:t> </a:t>
+            </a:r>
+            <a:r>
+              <a:rPr lang="de-DE" dirty="0" err="1" smtClean="0"/>
+              <a:t>of</a:t>
+            </a:r>
+            <a:r>
+              <a:rPr lang="de-DE" dirty="0" smtClean="0"/>
+              <a:t> </a:t>
+            </a:r>
+            <a:r>
+              <a:rPr lang="de-DE" dirty="0" err="1" smtClean="0"/>
+              <a:t>support</a:t>
+            </a:r>
+            <a:r>
+              <a:rPr lang="de-DE" dirty="0" smtClean="0"/>
+              <a:t> but </a:t>
+            </a:r>
+            <a:r>
+              <a:rPr lang="de-DE" u="sng" dirty="0" err="1" smtClean="0"/>
+              <a:t>recognition</a:t>
+            </a:r>
+            <a:r>
+              <a:rPr lang="de-DE" dirty="0" smtClean="0"/>
+              <a:t> </a:t>
+            </a:r>
+            <a:r>
+              <a:rPr lang="de-DE" dirty="0" err="1" smtClean="0"/>
+              <a:t>of</a:t>
+            </a:r>
+            <a:r>
+              <a:rPr lang="de-DE" dirty="0" smtClean="0"/>
+              <a:t> </a:t>
+            </a:r>
+            <a:r>
+              <a:rPr lang="de-DE" dirty="0" err="1" smtClean="0"/>
+              <a:t>that</a:t>
+            </a:r>
+            <a:r>
+              <a:rPr lang="de-DE" dirty="0" smtClean="0"/>
+              <a:t> </a:t>
+            </a:r>
+            <a:r>
+              <a:rPr lang="de-DE" dirty="0" err="1" smtClean="0"/>
+              <a:t>need</a:t>
+            </a:r>
+            <a:endParaRPr lang="en-GB" dirty="0" smtClean="0"/>
           </a:p>
           <a:p>
             <a:pPr marL="757238" indent="0">
@@ -10635,19 +10920,7 @@
             </a:pPr>
             <a:r>
               <a:rPr lang="en-GB" b="1" dirty="0" smtClean="0"/>
-              <a:t>Introduction </a:t>
-            </a:r>
-            <a:r>
-              <a:rPr lang="en-GB" b="1" dirty="0" smtClean="0"/>
-              <a:t>of </a:t>
-            </a:r>
-            <a:r>
-              <a:rPr lang="en-GB" b="1" dirty="0" smtClean="0"/>
-              <a:t>a </a:t>
-            </a:r>
-            <a:r>
-              <a:rPr lang="en-GB" b="1" dirty="0" smtClean="0"/>
-              <a:t>third dimension</a:t>
+              <a:t>Introduction of a third dimension</a:t>
             </a:r>
           </a:p>
           <a:p>
@@ -10718,6 +10991,13 @@
   <p:clrMapOvr>
     <a:masterClrMapping/>
   </p:clrMapOvr>
+  <p:timing>
+    <p:tnLst>
+      <p:par>
+        <p:cTn id="1" dur="indefinite" restart="never" nodeType="tmRoot"/>
+      </p:par>
+    </p:tnLst>
+  </p:timing>
 </p:sld>
 </file>
 
@@ -10774,11 +11054,7 @@
             </a:r>
             <a:r>
               <a:rPr lang="de-DE" sz="2400" dirty="0" smtClean="0"/>
-              <a:t>: </a:t>
-            </a:r>
-            <a:r>
-              <a:rPr lang="de-DE" sz="2400" dirty="0" smtClean="0"/>
-              <a:t>Young adult</a:t>
+              <a:t>: Young adult</a:t>
             </a:r>
           </a:p>
           <a:p>
@@ -10900,6 +11176,13 @@
   <p:clrMapOvr>
     <a:masterClrMapping/>
   </p:clrMapOvr>
+  <p:timing>
+    <p:tnLst>
+      <p:par>
+        <p:cTn id="1" dur="indefinite" restart="never" nodeType="tmRoot"/>
+      </p:par>
+    </p:tnLst>
+  </p:timing>
 </p:sld>
 </file>
 
@@ -10947,374 +11230,14 @@
               <a:buAutoNum type="romanUcPeriod"/>
             </a:pPr>
             <a:r>
-              <a:rPr lang="de-DE" dirty="0" smtClean="0">
+              <a:rPr lang="en-US" dirty="0" smtClean="0">
                 <a:solidFill>
                   <a:schemeClr val="accent6">
                     <a:lumMod val="75000"/>
                   </a:schemeClr>
                 </a:solidFill>
               </a:rPr>
-              <a:t>The </a:t>
-            </a:r>
-            <a:r>
-              <a:rPr lang="de-DE" dirty="0" err="1" smtClean="0">
-                <a:solidFill>
-                  <a:schemeClr val="accent6">
-                    <a:lumMod val="75000"/>
-                  </a:schemeClr>
-                </a:solidFill>
-              </a:rPr>
-              <a:t>presence</a:t>
-            </a:r>
-            <a:r>
-              <a:rPr lang="de-DE" dirty="0" smtClean="0">
-                <a:solidFill>
-                  <a:schemeClr val="accent6">
-                    <a:lumMod val="75000"/>
-                  </a:schemeClr>
-                </a:solidFill>
-              </a:rPr>
-              <a:t> </a:t>
-            </a:r>
-            <a:r>
-              <a:rPr lang="de-DE" dirty="0" err="1" smtClean="0">
-                <a:solidFill>
-                  <a:schemeClr val="accent6">
-                    <a:lumMod val="75000"/>
-                  </a:schemeClr>
-                </a:solidFill>
-              </a:rPr>
-              <a:t>of</a:t>
-            </a:r>
-            <a:r>
-              <a:rPr lang="de-DE" dirty="0" smtClean="0">
-                <a:solidFill>
-                  <a:schemeClr val="accent6">
-                    <a:lumMod val="75000"/>
-                  </a:schemeClr>
-                </a:solidFill>
-              </a:rPr>
-              <a:t> </a:t>
-            </a:r>
-            <a:r>
-              <a:rPr lang="de-DE" dirty="0" err="1" smtClean="0">
-                <a:solidFill>
-                  <a:schemeClr val="accent6">
-                    <a:lumMod val="75000"/>
-                  </a:schemeClr>
-                </a:solidFill>
-              </a:rPr>
-              <a:t>under-aged</a:t>
-            </a:r>
-            <a:r>
-              <a:rPr lang="de-DE" dirty="0" smtClean="0">
-                <a:solidFill>
-                  <a:schemeClr val="accent6">
-                    <a:lumMod val="75000"/>
-                  </a:schemeClr>
-                </a:solidFill>
-              </a:rPr>
-              <a:t> </a:t>
-            </a:r>
-            <a:r>
-              <a:rPr lang="de-DE" dirty="0" err="1" smtClean="0">
-                <a:solidFill>
-                  <a:schemeClr val="accent6">
-                    <a:lumMod val="75000"/>
-                  </a:schemeClr>
-                </a:solidFill>
-              </a:rPr>
-              <a:t>siblings</a:t>
-            </a:r>
-            <a:r>
-              <a:rPr lang="de-DE" dirty="0" smtClean="0">
-                <a:solidFill>
-                  <a:schemeClr val="accent6">
-                    <a:lumMod val="75000"/>
-                  </a:schemeClr>
-                </a:solidFill>
-              </a:rPr>
-              <a:t> in </a:t>
-            </a:r>
-            <a:r>
-              <a:rPr lang="de-DE" dirty="0" err="1" smtClean="0">
-                <a:solidFill>
-                  <a:schemeClr val="accent6">
-                    <a:lumMod val="75000"/>
-                  </a:schemeClr>
-                </a:solidFill>
-              </a:rPr>
-              <a:t>the</a:t>
-            </a:r>
-            <a:r>
-              <a:rPr lang="de-DE" dirty="0" smtClean="0">
-                <a:solidFill>
-                  <a:schemeClr val="accent6">
-                    <a:lumMod val="75000"/>
-                  </a:schemeClr>
-                </a:solidFill>
-              </a:rPr>
-              <a:t> parental </a:t>
-            </a:r>
-            <a:r>
-              <a:rPr lang="de-DE" dirty="0" err="1" smtClean="0">
-                <a:solidFill>
-                  <a:schemeClr val="accent6">
-                    <a:lumMod val="75000"/>
-                  </a:schemeClr>
-                </a:solidFill>
-              </a:rPr>
-              <a:t>home</a:t>
-            </a:r>
-            <a:r>
-              <a:rPr lang="de-DE" dirty="0" smtClean="0">
-                <a:solidFill>
-                  <a:schemeClr val="accent6">
-                    <a:lumMod val="75000"/>
-                  </a:schemeClr>
-                </a:solidFill>
-              </a:rPr>
-              <a:t> </a:t>
-            </a:r>
-            <a:r>
-              <a:rPr lang="de-DE" dirty="0" err="1" smtClean="0">
-                <a:solidFill>
-                  <a:schemeClr val="accent6">
-                    <a:lumMod val="75000"/>
-                  </a:schemeClr>
-                </a:solidFill>
-              </a:rPr>
-              <a:t>should</a:t>
-            </a:r>
-            <a:r>
-              <a:rPr lang="de-DE" dirty="0" smtClean="0">
-                <a:solidFill>
-                  <a:schemeClr val="accent6">
-                    <a:lumMod val="75000"/>
-                  </a:schemeClr>
-                </a:solidFill>
-              </a:rPr>
-              <a:t> </a:t>
-            </a:r>
-            <a:r>
-              <a:rPr lang="de-DE" dirty="0" err="1" smtClean="0">
-                <a:solidFill>
-                  <a:schemeClr val="accent6">
-                    <a:lumMod val="75000"/>
-                  </a:schemeClr>
-                </a:solidFill>
-              </a:rPr>
-              <a:t>reduce</a:t>
-            </a:r>
-            <a:r>
-              <a:rPr lang="de-DE" dirty="0" smtClean="0">
-                <a:solidFill>
-                  <a:schemeClr val="accent6">
-                    <a:lumMod val="75000"/>
-                  </a:schemeClr>
-                </a:solidFill>
-              </a:rPr>
-              <a:t> </a:t>
-            </a:r>
-            <a:r>
-              <a:rPr lang="de-DE" dirty="0" err="1" smtClean="0">
-                <a:solidFill>
-                  <a:schemeClr val="accent6">
-                    <a:lumMod val="75000"/>
-                  </a:schemeClr>
-                </a:solidFill>
-              </a:rPr>
-              <a:t>the</a:t>
-            </a:r>
-            <a:r>
-              <a:rPr lang="de-DE" dirty="0" smtClean="0">
-                <a:solidFill>
-                  <a:schemeClr val="accent6">
-                    <a:lumMod val="75000"/>
-                  </a:schemeClr>
-                </a:solidFill>
-              </a:rPr>
-              <a:t> </a:t>
-            </a:r>
-            <a:r>
-              <a:rPr lang="de-DE" dirty="0" err="1" smtClean="0">
-                <a:solidFill>
-                  <a:schemeClr val="accent6">
-                    <a:lumMod val="75000"/>
-                  </a:schemeClr>
-                </a:solidFill>
-              </a:rPr>
-              <a:t>likelihood</a:t>
-            </a:r>
-            <a:r>
-              <a:rPr lang="de-DE" dirty="0" smtClean="0">
-                <a:solidFill>
-                  <a:schemeClr val="accent6">
-                    <a:lumMod val="75000"/>
-                  </a:schemeClr>
-                </a:solidFill>
-              </a:rPr>
-              <a:t> </a:t>
-            </a:r>
-            <a:r>
-              <a:rPr lang="de-DE" dirty="0" err="1" smtClean="0">
-                <a:solidFill>
-                  <a:schemeClr val="accent6">
-                    <a:lumMod val="75000"/>
-                  </a:schemeClr>
-                </a:solidFill>
-              </a:rPr>
-              <a:t>of</a:t>
-            </a:r>
-            <a:r>
-              <a:rPr lang="de-DE" dirty="0" smtClean="0">
-                <a:solidFill>
-                  <a:schemeClr val="accent6">
-                    <a:lumMod val="75000"/>
-                  </a:schemeClr>
-                </a:solidFill>
-              </a:rPr>
-              <a:t> </a:t>
-            </a:r>
-            <a:r>
-              <a:rPr lang="de-DE" dirty="0" err="1" smtClean="0">
-                <a:solidFill>
-                  <a:schemeClr val="accent6">
-                    <a:lumMod val="75000"/>
-                  </a:schemeClr>
-                </a:solidFill>
-              </a:rPr>
-              <a:t>cohabitation</a:t>
-            </a:r>
-            <a:r>
-              <a:rPr lang="de-DE" dirty="0" smtClean="0">
-                <a:solidFill>
-                  <a:schemeClr val="accent6">
-                    <a:lumMod val="75000"/>
-                  </a:schemeClr>
-                </a:solidFill>
-              </a:rPr>
-              <a:t> </a:t>
-            </a:r>
-            <a:r>
-              <a:rPr lang="de-DE" dirty="0" err="1" smtClean="0">
-                <a:solidFill>
-                  <a:schemeClr val="accent6">
-                    <a:lumMod val="75000"/>
-                  </a:schemeClr>
-                </a:solidFill>
-              </a:rPr>
-              <a:t>between</a:t>
-            </a:r>
-            <a:r>
-              <a:rPr lang="de-DE" dirty="0" smtClean="0">
-                <a:solidFill>
-                  <a:schemeClr val="accent6">
-                    <a:lumMod val="75000"/>
-                  </a:schemeClr>
-                </a:solidFill>
-              </a:rPr>
-              <a:t> </a:t>
-            </a:r>
-            <a:r>
-              <a:rPr lang="de-DE" dirty="0" err="1" smtClean="0">
-                <a:solidFill>
-                  <a:schemeClr val="accent6">
-                    <a:lumMod val="75000"/>
-                  </a:schemeClr>
-                </a:solidFill>
-              </a:rPr>
-              <a:t>young</a:t>
-            </a:r>
-            <a:r>
-              <a:rPr lang="de-DE" dirty="0" smtClean="0">
-                <a:solidFill>
-                  <a:schemeClr val="accent6">
-                    <a:lumMod val="75000"/>
-                  </a:schemeClr>
-                </a:solidFill>
-              </a:rPr>
-              <a:t> </a:t>
-            </a:r>
-            <a:r>
-              <a:rPr lang="de-DE" dirty="0" err="1" smtClean="0">
-                <a:solidFill>
-                  <a:schemeClr val="accent6">
-                    <a:lumMod val="75000"/>
-                  </a:schemeClr>
-                </a:solidFill>
-              </a:rPr>
-              <a:t>adults</a:t>
-            </a:r>
-            <a:r>
-              <a:rPr lang="de-DE" dirty="0" smtClean="0">
-                <a:solidFill>
-                  <a:schemeClr val="accent6">
-                    <a:lumMod val="75000"/>
-                  </a:schemeClr>
-                </a:solidFill>
-              </a:rPr>
-              <a:t> </a:t>
-            </a:r>
-            <a:r>
-              <a:rPr lang="de-DE" dirty="0" err="1" smtClean="0">
-                <a:solidFill>
-                  <a:schemeClr val="accent6">
-                    <a:lumMod val="75000"/>
-                  </a:schemeClr>
-                </a:solidFill>
-              </a:rPr>
-              <a:t>and</a:t>
-            </a:r>
-            <a:r>
-              <a:rPr lang="de-DE" dirty="0" smtClean="0">
-                <a:solidFill>
-                  <a:schemeClr val="accent6">
-                    <a:lumMod val="75000"/>
-                  </a:schemeClr>
-                </a:solidFill>
-              </a:rPr>
-              <a:t> </a:t>
-            </a:r>
-            <a:r>
-              <a:rPr lang="de-DE" dirty="0" err="1" smtClean="0">
-                <a:solidFill>
-                  <a:schemeClr val="accent6">
-                    <a:lumMod val="75000"/>
-                  </a:schemeClr>
-                </a:solidFill>
-              </a:rPr>
-              <a:t>their</a:t>
-            </a:r>
-            <a:r>
-              <a:rPr lang="de-DE" dirty="0" smtClean="0">
-                <a:solidFill>
-                  <a:schemeClr val="accent6">
-                    <a:lumMod val="75000"/>
-                  </a:schemeClr>
-                </a:solidFill>
-              </a:rPr>
-              <a:t> </a:t>
-            </a:r>
-            <a:r>
-              <a:rPr lang="de-DE" dirty="0" err="1" smtClean="0">
-                <a:solidFill>
-                  <a:schemeClr val="accent6">
-                    <a:lumMod val="75000"/>
-                  </a:schemeClr>
-                </a:solidFill>
-              </a:rPr>
-              <a:t>parents</a:t>
-            </a:r>
-            <a:r>
-              <a:rPr lang="de-DE" dirty="0" smtClean="0">
-                <a:solidFill>
-                  <a:schemeClr val="accent6">
-                    <a:lumMod val="75000"/>
-                  </a:schemeClr>
-                </a:solidFill>
-              </a:rPr>
-              <a:t> </a:t>
+              <a:t>The presence of under-aged siblings in the parental home should reduce the likelihood of cohabitation between young adults and their parents.</a:t>
             </a:r>
           </a:p>
           <a:p>
@@ -11336,414 +11259,14 @@
               <a:buAutoNum type="romanUcPeriod"/>
             </a:pPr>
             <a:r>
-              <a:rPr lang="de-DE" dirty="0" smtClean="0">
+              <a:rPr lang="en-US" dirty="0" smtClean="0">
                 <a:solidFill>
                   <a:schemeClr val="accent6">
                     <a:lumMod val="75000"/>
                   </a:schemeClr>
                 </a:solidFill>
               </a:rPr>
-              <a:t>Young </a:t>
-            </a:r>
-            <a:r>
-              <a:rPr lang="de-DE" dirty="0" err="1" smtClean="0">
-                <a:solidFill>
-                  <a:schemeClr val="accent6">
-                    <a:lumMod val="75000"/>
-                  </a:schemeClr>
-                </a:solidFill>
-              </a:rPr>
-              <a:t>adults</a:t>
-            </a:r>
-            <a:r>
-              <a:rPr lang="de-DE" dirty="0" smtClean="0">
-                <a:solidFill>
-                  <a:schemeClr val="accent6">
-                    <a:lumMod val="75000"/>
-                  </a:schemeClr>
-                </a:solidFill>
-              </a:rPr>
-              <a:t> </a:t>
-            </a:r>
-            <a:r>
-              <a:rPr lang="de-DE" dirty="0" err="1" smtClean="0">
-                <a:solidFill>
-                  <a:schemeClr val="accent6">
-                    <a:lumMod val="75000"/>
-                  </a:schemeClr>
-                </a:solidFill>
-              </a:rPr>
-              <a:t>whose</a:t>
-            </a:r>
-            <a:r>
-              <a:rPr lang="de-DE" dirty="0" smtClean="0">
-                <a:solidFill>
-                  <a:schemeClr val="accent6">
-                    <a:lumMod val="75000"/>
-                  </a:schemeClr>
-                </a:solidFill>
-              </a:rPr>
-              <a:t> </a:t>
-            </a:r>
-            <a:r>
-              <a:rPr lang="de-DE" dirty="0" err="1" smtClean="0">
-                <a:solidFill>
-                  <a:schemeClr val="accent6">
-                    <a:lumMod val="75000"/>
-                  </a:schemeClr>
-                </a:solidFill>
-              </a:rPr>
-              <a:t>parents</a:t>
-            </a:r>
-            <a:r>
-              <a:rPr lang="de-DE" dirty="0" smtClean="0">
-                <a:solidFill>
-                  <a:schemeClr val="accent6">
-                    <a:lumMod val="75000"/>
-                  </a:schemeClr>
-                </a:solidFill>
-              </a:rPr>
-              <a:t> </a:t>
-            </a:r>
-            <a:r>
-              <a:rPr lang="de-DE" dirty="0" err="1" smtClean="0">
-                <a:solidFill>
-                  <a:schemeClr val="accent6">
-                    <a:lumMod val="75000"/>
-                  </a:schemeClr>
-                </a:solidFill>
-              </a:rPr>
-              <a:t>already</a:t>
-            </a:r>
-            <a:r>
-              <a:rPr lang="de-DE" dirty="0" smtClean="0">
-                <a:solidFill>
-                  <a:schemeClr val="accent6">
-                    <a:lumMod val="75000"/>
-                  </a:schemeClr>
-                </a:solidFill>
-              </a:rPr>
-              <a:t> </a:t>
-            </a:r>
-            <a:r>
-              <a:rPr lang="de-DE" dirty="0" err="1" smtClean="0">
-                <a:solidFill>
-                  <a:schemeClr val="accent6">
-                    <a:lumMod val="75000"/>
-                  </a:schemeClr>
-                </a:solidFill>
-              </a:rPr>
-              <a:t>cohabitate</a:t>
-            </a:r>
-            <a:r>
-              <a:rPr lang="de-DE" dirty="0" smtClean="0">
-                <a:solidFill>
-                  <a:schemeClr val="accent6">
-                    <a:lumMod val="75000"/>
-                  </a:schemeClr>
-                </a:solidFill>
-              </a:rPr>
-              <a:t> </a:t>
-            </a:r>
-            <a:r>
-              <a:rPr lang="de-DE" dirty="0" err="1" smtClean="0">
-                <a:solidFill>
-                  <a:schemeClr val="accent6">
-                    <a:lumMod val="75000"/>
-                  </a:schemeClr>
-                </a:solidFill>
-              </a:rPr>
-              <a:t>with</a:t>
-            </a:r>
-            <a:r>
-              <a:rPr lang="de-DE" dirty="0" smtClean="0">
-                <a:solidFill>
-                  <a:schemeClr val="accent6">
-                    <a:lumMod val="75000"/>
-                  </a:schemeClr>
-                </a:solidFill>
-              </a:rPr>
-              <a:t> </a:t>
-            </a:r>
-            <a:r>
-              <a:rPr lang="de-DE" dirty="0" err="1" smtClean="0">
-                <a:solidFill>
-                  <a:schemeClr val="accent6">
-                    <a:lumMod val="75000"/>
-                  </a:schemeClr>
-                </a:solidFill>
-              </a:rPr>
-              <a:t>another</a:t>
-            </a:r>
-            <a:r>
-              <a:rPr lang="de-DE" dirty="0" smtClean="0">
-                <a:solidFill>
-                  <a:schemeClr val="accent6">
-                    <a:lumMod val="75000"/>
-                  </a:schemeClr>
-                </a:solidFill>
-              </a:rPr>
-              <a:t> </a:t>
-            </a:r>
-            <a:r>
-              <a:rPr lang="de-DE" dirty="0" err="1" smtClean="0">
-                <a:solidFill>
-                  <a:schemeClr val="accent6">
-                    <a:lumMod val="75000"/>
-                  </a:schemeClr>
-                </a:solidFill>
-              </a:rPr>
-              <a:t>young</a:t>
-            </a:r>
-            <a:r>
-              <a:rPr lang="de-DE" dirty="0" smtClean="0">
-                <a:solidFill>
-                  <a:schemeClr val="accent6">
-                    <a:lumMod val="75000"/>
-                  </a:schemeClr>
-                </a:solidFill>
-              </a:rPr>
-              <a:t> adult </a:t>
-            </a:r>
-            <a:r>
-              <a:rPr lang="de-DE" dirty="0" err="1" smtClean="0">
-                <a:solidFill>
-                  <a:schemeClr val="accent6">
-                    <a:lumMod val="75000"/>
-                  </a:schemeClr>
-                </a:solidFill>
-              </a:rPr>
-              <a:t>are</a:t>
-            </a:r>
-            <a:r>
-              <a:rPr lang="de-DE" dirty="0" smtClean="0">
-                <a:solidFill>
-                  <a:schemeClr val="accent6">
-                    <a:lumMod val="75000"/>
-                  </a:schemeClr>
-                </a:solidFill>
-              </a:rPr>
-              <a:t> </a:t>
-            </a:r>
-            <a:r>
-              <a:rPr lang="de-DE" dirty="0" err="1" smtClean="0">
-                <a:solidFill>
-                  <a:schemeClr val="accent6">
-                    <a:lumMod val="75000"/>
-                  </a:schemeClr>
-                </a:solidFill>
-              </a:rPr>
-              <a:t>more</a:t>
-            </a:r>
-            <a:r>
-              <a:rPr lang="de-DE" dirty="0" smtClean="0">
-                <a:solidFill>
-                  <a:schemeClr val="accent6">
-                    <a:lumMod val="75000"/>
-                  </a:schemeClr>
-                </a:solidFill>
-              </a:rPr>
-              <a:t> </a:t>
-            </a:r>
-            <a:r>
-              <a:rPr lang="de-DE" dirty="0" err="1" smtClean="0">
-                <a:solidFill>
-                  <a:schemeClr val="accent6">
-                    <a:lumMod val="75000"/>
-                  </a:schemeClr>
-                </a:solidFill>
-              </a:rPr>
-              <a:t>likely</a:t>
-            </a:r>
-            <a:r>
-              <a:rPr lang="de-DE" dirty="0" smtClean="0">
-                <a:solidFill>
-                  <a:schemeClr val="accent6">
-                    <a:lumMod val="75000"/>
-                  </a:schemeClr>
-                </a:solidFill>
-              </a:rPr>
-              <a:t> </a:t>
-            </a:r>
-            <a:r>
-              <a:rPr lang="de-DE" dirty="0" err="1" smtClean="0">
-                <a:solidFill>
-                  <a:schemeClr val="accent6">
-                    <a:lumMod val="75000"/>
-                  </a:schemeClr>
-                </a:solidFill>
-              </a:rPr>
-              <a:t>to</a:t>
-            </a:r>
-            <a:r>
-              <a:rPr lang="de-DE" dirty="0" smtClean="0">
-                <a:solidFill>
-                  <a:schemeClr val="accent6">
-                    <a:lumMod val="75000"/>
-                  </a:schemeClr>
-                </a:solidFill>
-              </a:rPr>
-              <a:t> live in </a:t>
-            </a:r>
-            <a:r>
-              <a:rPr lang="de-DE" dirty="0" err="1" smtClean="0">
-                <a:solidFill>
-                  <a:schemeClr val="accent6">
-                    <a:lumMod val="75000"/>
-                  </a:schemeClr>
-                </a:solidFill>
-              </a:rPr>
-              <a:t>the</a:t>
-            </a:r>
-            <a:r>
-              <a:rPr lang="de-DE" dirty="0" smtClean="0">
-                <a:solidFill>
-                  <a:schemeClr val="accent6">
-                    <a:lumMod val="75000"/>
-                  </a:schemeClr>
-                </a:solidFill>
-              </a:rPr>
-              <a:t> parental </a:t>
-            </a:r>
-            <a:r>
-              <a:rPr lang="de-DE" dirty="0" err="1" smtClean="0">
-                <a:solidFill>
-                  <a:schemeClr val="accent6">
-                    <a:lumMod val="75000"/>
-                  </a:schemeClr>
-                </a:solidFill>
-              </a:rPr>
-              <a:t>home</a:t>
-            </a:r>
-            <a:r>
-              <a:rPr lang="de-DE" dirty="0" smtClean="0">
-                <a:solidFill>
-                  <a:schemeClr val="accent6">
-                    <a:lumMod val="75000"/>
-                  </a:schemeClr>
-                </a:solidFill>
-              </a:rPr>
-              <a:t> </a:t>
-            </a:r>
-            <a:r>
-              <a:rPr lang="de-DE" dirty="0" err="1" smtClean="0">
-                <a:solidFill>
-                  <a:schemeClr val="accent6">
-                    <a:lumMod val="75000"/>
-                  </a:schemeClr>
-                </a:solidFill>
-              </a:rPr>
-              <a:t>than</a:t>
-            </a:r>
-            <a:r>
-              <a:rPr lang="de-DE" dirty="0" smtClean="0">
-                <a:solidFill>
-                  <a:schemeClr val="accent6">
-                    <a:lumMod val="75000"/>
-                  </a:schemeClr>
-                </a:solidFill>
-              </a:rPr>
-              <a:t> </a:t>
-            </a:r>
-            <a:r>
-              <a:rPr lang="de-DE" dirty="0" err="1" smtClean="0">
-                <a:solidFill>
-                  <a:schemeClr val="accent6">
-                    <a:lumMod val="75000"/>
-                  </a:schemeClr>
-                </a:solidFill>
-              </a:rPr>
-              <a:t>their</a:t>
-            </a:r>
-            <a:r>
-              <a:rPr lang="de-DE" dirty="0" smtClean="0">
-                <a:solidFill>
-                  <a:schemeClr val="accent6">
-                    <a:lumMod val="75000"/>
-                  </a:schemeClr>
-                </a:solidFill>
-              </a:rPr>
-              <a:t> </a:t>
-            </a:r>
-            <a:r>
-              <a:rPr lang="de-DE" dirty="0" err="1" smtClean="0">
-                <a:solidFill>
-                  <a:schemeClr val="accent6">
-                    <a:lumMod val="75000"/>
-                  </a:schemeClr>
-                </a:solidFill>
-              </a:rPr>
-              <a:t>peers</a:t>
-            </a:r>
-            <a:r>
-              <a:rPr lang="de-DE" dirty="0" smtClean="0">
-                <a:solidFill>
-                  <a:schemeClr val="accent6">
-                    <a:lumMod val="75000"/>
-                  </a:schemeClr>
-                </a:solidFill>
-              </a:rPr>
-              <a:t> </a:t>
-            </a:r>
-            <a:r>
-              <a:rPr lang="de-DE" dirty="0" err="1" smtClean="0">
-                <a:solidFill>
-                  <a:schemeClr val="accent6">
-                    <a:lumMod val="75000"/>
-                  </a:schemeClr>
-                </a:solidFill>
-              </a:rPr>
-              <a:t>whose</a:t>
-            </a:r>
-            <a:r>
-              <a:rPr lang="de-DE" dirty="0" smtClean="0">
-                <a:solidFill>
-                  <a:schemeClr val="accent6">
-                    <a:lumMod val="75000"/>
-                  </a:schemeClr>
-                </a:solidFill>
-              </a:rPr>
-              <a:t> adult </a:t>
-            </a:r>
-            <a:r>
-              <a:rPr lang="de-DE" dirty="0" err="1" smtClean="0">
-                <a:solidFill>
-                  <a:schemeClr val="accent6">
-                    <a:lumMod val="75000"/>
-                  </a:schemeClr>
-                </a:solidFill>
-              </a:rPr>
-              <a:t>siblings</a:t>
-            </a:r>
-            <a:r>
-              <a:rPr lang="de-DE" dirty="0" smtClean="0">
-                <a:solidFill>
-                  <a:schemeClr val="accent6">
-                    <a:lumMod val="75000"/>
-                  </a:schemeClr>
-                </a:solidFill>
-              </a:rPr>
-              <a:t> live </a:t>
-            </a:r>
-            <a:r>
-              <a:rPr lang="de-DE" dirty="0" err="1" smtClean="0">
-                <a:solidFill>
-                  <a:schemeClr val="accent6">
-                    <a:lumMod val="75000"/>
-                  </a:schemeClr>
-                </a:solidFill>
-              </a:rPr>
-              <a:t>independently</a:t>
-            </a:r>
-            <a:r>
-              <a:rPr lang="de-DE" dirty="0" smtClean="0">
-                <a:solidFill>
-                  <a:schemeClr val="accent6">
-                    <a:lumMod val="75000"/>
-                  </a:schemeClr>
-                </a:solidFill>
-              </a:rPr>
-              <a:t>  </a:t>
+              <a:t>Young adults whose parents already cohabitate with another young adult are more likely to live in the parental home than their peers whose adult siblings live independently.  </a:t>
             </a:r>
           </a:p>
           <a:p>
@@ -11765,292 +11288,15 @@
               <a:buAutoNum type="romanUcPeriod"/>
             </a:pPr>
             <a:r>
-              <a:rPr lang="de-DE" dirty="0" smtClean="0">
+              <a:rPr lang="en-US" dirty="0" smtClean="0">
                 <a:solidFill>
                   <a:schemeClr val="accent6">
                     <a:lumMod val="75000"/>
                   </a:schemeClr>
                 </a:solidFill>
               </a:rPr>
-              <a:t>Parental </a:t>
-            </a:r>
-            <a:r>
-              <a:rPr lang="de-DE" dirty="0" err="1" smtClean="0">
-                <a:solidFill>
-                  <a:schemeClr val="accent6">
-                    <a:lumMod val="75000"/>
-                  </a:schemeClr>
-                </a:solidFill>
-              </a:rPr>
-              <a:t>support</a:t>
-            </a:r>
-            <a:r>
-              <a:rPr lang="de-DE" dirty="0" smtClean="0">
-                <a:solidFill>
-                  <a:schemeClr val="accent6">
-                    <a:lumMod val="75000"/>
-                  </a:schemeClr>
-                </a:solidFill>
-              </a:rPr>
-              <a:t> </a:t>
-            </a:r>
-            <a:r>
-              <a:rPr lang="de-DE" dirty="0" err="1" smtClean="0">
-                <a:solidFill>
-                  <a:schemeClr val="accent6">
-                    <a:lumMod val="75000"/>
-                  </a:schemeClr>
-                </a:solidFill>
-              </a:rPr>
-              <a:t>towards</a:t>
-            </a:r>
-            <a:r>
-              <a:rPr lang="de-DE" dirty="0" smtClean="0">
-                <a:solidFill>
-                  <a:schemeClr val="accent6">
-                    <a:lumMod val="75000"/>
-                  </a:schemeClr>
-                </a:solidFill>
-              </a:rPr>
-              <a:t> </a:t>
-            </a:r>
-            <a:r>
-              <a:rPr lang="de-DE" dirty="0" err="1" smtClean="0">
-                <a:solidFill>
-                  <a:schemeClr val="accent6">
-                    <a:lumMod val="75000"/>
-                  </a:schemeClr>
-                </a:solidFill>
-              </a:rPr>
-              <a:t>other</a:t>
-            </a:r>
-            <a:r>
-              <a:rPr lang="de-DE" dirty="0" smtClean="0">
-                <a:solidFill>
-                  <a:schemeClr val="accent6">
-                    <a:lumMod val="75000"/>
-                  </a:schemeClr>
-                </a:solidFill>
-              </a:rPr>
-              <a:t> adult </a:t>
-            </a:r>
-            <a:r>
-              <a:rPr lang="de-DE" dirty="0" err="1" smtClean="0">
-                <a:solidFill>
-                  <a:schemeClr val="accent6">
-                    <a:lumMod val="75000"/>
-                  </a:schemeClr>
-                </a:solidFill>
-              </a:rPr>
-              <a:t>siblings</a:t>
-            </a:r>
-            <a:r>
-              <a:rPr lang="de-DE" dirty="0" smtClean="0">
-                <a:solidFill>
-                  <a:schemeClr val="accent6">
-                    <a:lumMod val="75000"/>
-                  </a:schemeClr>
-                </a:solidFill>
-              </a:rPr>
-              <a:t> </a:t>
-            </a:r>
-            <a:r>
-              <a:rPr lang="de-DE" dirty="0" err="1" smtClean="0">
-                <a:solidFill>
-                  <a:schemeClr val="accent6">
-                    <a:lumMod val="75000"/>
-                  </a:schemeClr>
-                </a:solidFill>
-              </a:rPr>
-              <a:t>increases</a:t>
-            </a:r>
-            <a:r>
-              <a:rPr lang="de-DE" dirty="0" smtClean="0">
-                <a:solidFill>
-                  <a:schemeClr val="accent6">
-                    <a:lumMod val="75000"/>
-                  </a:schemeClr>
-                </a:solidFill>
-              </a:rPr>
-              <a:t> </a:t>
-            </a:r>
-            <a:r>
-              <a:rPr lang="de-DE" dirty="0" err="1" smtClean="0">
-                <a:solidFill>
-                  <a:schemeClr val="accent6">
-                    <a:lumMod val="75000"/>
-                  </a:schemeClr>
-                </a:solidFill>
-              </a:rPr>
-              <a:t>the</a:t>
-            </a:r>
-            <a:r>
-              <a:rPr lang="de-DE" dirty="0" smtClean="0">
-                <a:solidFill>
-                  <a:schemeClr val="accent6">
-                    <a:lumMod val="75000"/>
-                  </a:schemeClr>
-                </a:solidFill>
-              </a:rPr>
-              <a:t> </a:t>
-            </a:r>
-            <a:r>
-              <a:rPr lang="de-DE" dirty="0" err="1" smtClean="0">
-                <a:solidFill>
-                  <a:schemeClr val="accent6">
-                    <a:lumMod val="75000"/>
-                  </a:schemeClr>
-                </a:solidFill>
-              </a:rPr>
-              <a:t>likelihood</a:t>
-            </a:r>
-            <a:r>
-              <a:rPr lang="de-DE" dirty="0" smtClean="0">
-                <a:solidFill>
-                  <a:schemeClr val="accent6">
-                    <a:lumMod val="75000"/>
-                  </a:schemeClr>
-                </a:solidFill>
-              </a:rPr>
-              <a:t> </a:t>
-            </a:r>
-            <a:r>
-              <a:rPr lang="de-DE" dirty="0" err="1" smtClean="0">
-                <a:solidFill>
-                  <a:schemeClr val="accent6">
-                    <a:lumMod val="75000"/>
-                  </a:schemeClr>
-                </a:solidFill>
-              </a:rPr>
-              <a:t>of</a:t>
-            </a:r>
-            <a:r>
-              <a:rPr lang="de-DE" dirty="0" smtClean="0">
-                <a:solidFill>
-                  <a:schemeClr val="accent6">
-                    <a:lumMod val="75000"/>
-                  </a:schemeClr>
-                </a:solidFill>
-              </a:rPr>
-              <a:t> </a:t>
-            </a:r>
-            <a:r>
-              <a:rPr lang="de-DE" dirty="0" err="1" smtClean="0">
-                <a:solidFill>
-                  <a:schemeClr val="accent6">
-                    <a:lumMod val="75000"/>
-                  </a:schemeClr>
-                </a:solidFill>
-              </a:rPr>
-              <a:t>shared</a:t>
-            </a:r>
-            <a:r>
-              <a:rPr lang="de-DE" dirty="0" smtClean="0">
-                <a:solidFill>
-                  <a:schemeClr val="accent6">
-                    <a:lumMod val="75000"/>
-                  </a:schemeClr>
-                </a:solidFill>
-              </a:rPr>
-              <a:t> </a:t>
-            </a:r>
-            <a:r>
-              <a:rPr lang="de-DE" dirty="0" err="1" smtClean="0">
-                <a:solidFill>
-                  <a:schemeClr val="accent6">
-                    <a:lumMod val="75000"/>
-                  </a:schemeClr>
-                </a:solidFill>
-              </a:rPr>
-              <a:t>residency</a:t>
-            </a:r>
-            <a:r>
-              <a:rPr lang="de-DE" dirty="0" smtClean="0">
-                <a:solidFill>
-                  <a:schemeClr val="accent6">
-                    <a:lumMod val="75000"/>
-                  </a:schemeClr>
-                </a:solidFill>
-              </a:rPr>
-              <a:t> </a:t>
-            </a:r>
-            <a:r>
-              <a:rPr lang="de-DE" dirty="0" err="1" smtClean="0">
-                <a:solidFill>
-                  <a:schemeClr val="accent6">
-                    <a:lumMod val="75000"/>
-                  </a:schemeClr>
-                </a:solidFill>
-              </a:rPr>
-              <a:t>between</a:t>
-            </a:r>
-            <a:r>
-              <a:rPr lang="de-DE" dirty="0" smtClean="0">
-                <a:solidFill>
-                  <a:schemeClr val="accent6">
-                    <a:lumMod val="75000"/>
-                  </a:schemeClr>
-                </a:solidFill>
-              </a:rPr>
-              <a:t> </a:t>
-            </a:r>
-            <a:r>
-              <a:rPr lang="de-DE" dirty="0" err="1" smtClean="0">
-                <a:solidFill>
-                  <a:schemeClr val="accent6">
-                    <a:lumMod val="75000"/>
-                  </a:schemeClr>
-                </a:solidFill>
-              </a:rPr>
-              <a:t>young</a:t>
-            </a:r>
-            <a:r>
-              <a:rPr lang="de-DE" dirty="0" smtClean="0">
-                <a:solidFill>
-                  <a:schemeClr val="accent6">
-                    <a:lumMod val="75000"/>
-                  </a:schemeClr>
-                </a:solidFill>
-              </a:rPr>
-              <a:t> adult </a:t>
-            </a:r>
-            <a:r>
-              <a:rPr lang="de-DE" dirty="0" err="1" smtClean="0">
-                <a:solidFill>
-                  <a:schemeClr val="accent6">
-                    <a:lumMod val="75000"/>
-                  </a:schemeClr>
-                </a:solidFill>
-              </a:rPr>
-              <a:t>and</a:t>
-            </a:r>
-            <a:r>
-              <a:rPr lang="de-DE" dirty="0" smtClean="0">
-                <a:solidFill>
-                  <a:schemeClr val="accent6">
-                    <a:lumMod val="75000"/>
-                  </a:schemeClr>
-                </a:solidFill>
-              </a:rPr>
-              <a:t> </a:t>
-            </a:r>
-            <a:r>
-              <a:rPr lang="de-DE" dirty="0" err="1" smtClean="0">
-                <a:solidFill>
-                  <a:schemeClr val="accent6">
-                    <a:lumMod val="75000"/>
-                  </a:schemeClr>
-                </a:solidFill>
-              </a:rPr>
-              <a:t>parents</a:t>
-            </a:r>
-            <a:endParaRPr lang="de-DE" dirty="0" smtClean="0">
-              <a:solidFill>
-                <a:schemeClr val="accent6">
-                  <a:lumMod val="75000"/>
-                </a:schemeClr>
-              </a:solidFill>
-            </a:endParaRPr>
+              <a:t>Parental support towards other adult siblings increases the likelihood of shared residency between young adult and parents.</a:t>
+            </a:r>
           </a:p>
           <a:p>
             <a:pPr marL="628650" indent="-514350">
@@ -12071,372 +11317,15 @@
               <a:buAutoNum type="romanUcPeriod"/>
             </a:pPr>
             <a:r>
-              <a:rPr lang="de-DE" dirty="0" smtClean="0">
+              <a:rPr lang="en-US" dirty="0" smtClean="0">
                 <a:solidFill>
                   <a:schemeClr val="accent6">
                     <a:lumMod val="75000"/>
                   </a:schemeClr>
                 </a:solidFill>
               </a:rPr>
-              <a:t>High </a:t>
-            </a:r>
-            <a:r>
-              <a:rPr lang="de-DE" dirty="0" err="1" smtClean="0">
-                <a:solidFill>
-                  <a:schemeClr val="accent6">
-                    <a:lumMod val="75000"/>
-                  </a:schemeClr>
-                </a:solidFill>
-              </a:rPr>
-              <a:t>family</a:t>
-            </a:r>
-            <a:r>
-              <a:rPr lang="de-DE" dirty="0" smtClean="0">
-                <a:solidFill>
-                  <a:schemeClr val="accent6">
-                    <a:lumMod val="75000"/>
-                  </a:schemeClr>
-                </a:solidFill>
-              </a:rPr>
-              <a:t> </a:t>
-            </a:r>
-            <a:r>
-              <a:rPr lang="de-DE" dirty="0" err="1" smtClean="0">
-                <a:solidFill>
-                  <a:schemeClr val="accent6">
-                    <a:lumMod val="75000"/>
-                  </a:schemeClr>
-                </a:solidFill>
-              </a:rPr>
-              <a:t>expenditures</a:t>
-            </a:r>
-            <a:r>
-              <a:rPr lang="de-DE" dirty="0" smtClean="0">
-                <a:solidFill>
-                  <a:schemeClr val="accent6">
-                    <a:lumMod val="75000"/>
-                  </a:schemeClr>
-                </a:solidFill>
-              </a:rPr>
-              <a:t> </a:t>
-            </a:r>
-            <a:r>
-              <a:rPr lang="de-DE" dirty="0" err="1" smtClean="0">
-                <a:solidFill>
-                  <a:schemeClr val="accent6">
-                    <a:lumMod val="75000"/>
-                  </a:schemeClr>
-                </a:solidFill>
-              </a:rPr>
-              <a:t>and</a:t>
-            </a:r>
-            <a:r>
-              <a:rPr lang="de-DE" dirty="0" smtClean="0">
-                <a:solidFill>
-                  <a:schemeClr val="accent6">
-                    <a:lumMod val="75000"/>
-                  </a:schemeClr>
-                </a:solidFill>
-              </a:rPr>
-              <a:t> a </a:t>
-            </a:r>
-            <a:r>
-              <a:rPr lang="de-DE" dirty="0" err="1" smtClean="0">
-                <a:solidFill>
-                  <a:schemeClr val="accent6">
-                    <a:lumMod val="75000"/>
-                  </a:schemeClr>
-                </a:solidFill>
-              </a:rPr>
-              <a:t>good</a:t>
-            </a:r>
-            <a:r>
-              <a:rPr lang="de-DE" dirty="0" smtClean="0">
-                <a:solidFill>
-                  <a:schemeClr val="accent6">
-                    <a:lumMod val="75000"/>
-                  </a:schemeClr>
-                </a:solidFill>
-              </a:rPr>
-              <a:t> </a:t>
-            </a:r>
-            <a:r>
-              <a:rPr lang="de-DE" dirty="0" err="1" smtClean="0">
-                <a:solidFill>
-                  <a:schemeClr val="accent6">
-                    <a:lumMod val="75000"/>
-                  </a:schemeClr>
-                </a:solidFill>
-              </a:rPr>
-              <a:t>overall</a:t>
-            </a:r>
-            <a:r>
-              <a:rPr lang="de-DE" dirty="0" smtClean="0">
-                <a:solidFill>
-                  <a:schemeClr val="accent6">
-                    <a:lumMod val="75000"/>
-                  </a:schemeClr>
-                </a:solidFill>
-              </a:rPr>
-              <a:t> </a:t>
-            </a:r>
-            <a:r>
-              <a:rPr lang="de-DE" dirty="0" err="1" smtClean="0">
-                <a:solidFill>
-                  <a:schemeClr val="accent6">
-                    <a:lumMod val="75000"/>
-                  </a:schemeClr>
-                </a:solidFill>
-              </a:rPr>
-              <a:t>economic</a:t>
-            </a:r>
-            <a:r>
-              <a:rPr lang="de-DE" dirty="0" smtClean="0">
-                <a:solidFill>
-                  <a:schemeClr val="accent6">
-                    <a:lumMod val="75000"/>
-                  </a:schemeClr>
-                </a:solidFill>
-              </a:rPr>
-              <a:t> </a:t>
-            </a:r>
-            <a:r>
-              <a:rPr lang="de-DE" dirty="0" err="1" smtClean="0">
-                <a:solidFill>
-                  <a:schemeClr val="accent6">
-                    <a:lumMod val="75000"/>
-                  </a:schemeClr>
-                </a:solidFill>
-              </a:rPr>
-              <a:t>situation</a:t>
-            </a:r>
-            <a:r>
-              <a:rPr lang="de-DE" dirty="0" smtClean="0">
-                <a:solidFill>
-                  <a:schemeClr val="accent6">
-                    <a:lumMod val="75000"/>
-                  </a:schemeClr>
-                </a:solidFill>
-              </a:rPr>
-              <a:t> </a:t>
-            </a:r>
-            <a:r>
-              <a:rPr lang="de-DE" dirty="0" err="1" smtClean="0">
-                <a:solidFill>
-                  <a:schemeClr val="accent6">
-                    <a:lumMod val="75000"/>
-                  </a:schemeClr>
-                </a:solidFill>
-              </a:rPr>
-              <a:t>are</a:t>
-            </a:r>
-            <a:r>
-              <a:rPr lang="de-DE" dirty="0" smtClean="0">
-                <a:solidFill>
-                  <a:schemeClr val="accent6">
-                    <a:lumMod val="75000"/>
-                  </a:schemeClr>
-                </a:solidFill>
-              </a:rPr>
-              <a:t> </a:t>
-            </a:r>
-            <a:r>
-              <a:rPr lang="de-DE" dirty="0" err="1" smtClean="0">
-                <a:solidFill>
-                  <a:schemeClr val="accent6">
-                    <a:lumMod val="75000"/>
-                  </a:schemeClr>
-                </a:solidFill>
-              </a:rPr>
-              <a:t>expected</a:t>
-            </a:r>
-            <a:r>
-              <a:rPr lang="de-DE" dirty="0" smtClean="0">
-                <a:solidFill>
-                  <a:schemeClr val="accent6">
-                    <a:lumMod val="75000"/>
-                  </a:schemeClr>
-                </a:solidFill>
-              </a:rPr>
-              <a:t> </a:t>
-            </a:r>
-            <a:r>
-              <a:rPr lang="de-DE" dirty="0" err="1" smtClean="0">
-                <a:solidFill>
-                  <a:schemeClr val="accent6">
-                    <a:lumMod val="75000"/>
-                  </a:schemeClr>
-                </a:solidFill>
-              </a:rPr>
-              <a:t>to</a:t>
-            </a:r>
-            <a:r>
-              <a:rPr lang="de-DE" dirty="0" smtClean="0">
-                <a:solidFill>
-                  <a:schemeClr val="accent6">
-                    <a:lumMod val="75000"/>
-                  </a:schemeClr>
-                </a:solidFill>
-              </a:rPr>
-              <a:t> </a:t>
-            </a:r>
-            <a:r>
-              <a:rPr lang="de-DE" dirty="0" err="1" smtClean="0">
-                <a:solidFill>
-                  <a:schemeClr val="accent6">
-                    <a:lumMod val="75000"/>
-                  </a:schemeClr>
-                </a:solidFill>
-              </a:rPr>
-              <a:t>be</a:t>
-            </a:r>
-            <a:r>
-              <a:rPr lang="de-DE" dirty="0" smtClean="0">
-                <a:solidFill>
-                  <a:schemeClr val="accent6">
-                    <a:lumMod val="75000"/>
-                  </a:schemeClr>
-                </a:solidFill>
-              </a:rPr>
-              <a:t> </a:t>
-            </a:r>
-            <a:r>
-              <a:rPr lang="de-DE" dirty="0" err="1" smtClean="0">
-                <a:solidFill>
-                  <a:schemeClr val="accent6">
-                    <a:lumMod val="75000"/>
-                  </a:schemeClr>
-                </a:solidFill>
-              </a:rPr>
-              <a:t>negatively</a:t>
-            </a:r>
-            <a:r>
-              <a:rPr lang="de-DE" dirty="0" smtClean="0">
-                <a:solidFill>
-                  <a:schemeClr val="accent6">
-                    <a:lumMod val="75000"/>
-                  </a:schemeClr>
-                </a:solidFill>
-              </a:rPr>
-              <a:t> </a:t>
-            </a:r>
-            <a:r>
-              <a:rPr lang="de-DE" dirty="0" err="1" smtClean="0">
-                <a:solidFill>
-                  <a:schemeClr val="accent6">
-                    <a:lumMod val="75000"/>
-                  </a:schemeClr>
-                </a:solidFill>
-              </a:rPr>
-              <a:t>associated</a:t>
-            </a:r>
-            <a:r>
-              <a:rPr lang="de-DE" dirty="0" smtClean="0">
-                <a:solidFill>
-                  <a:schemeClr val="accent6">
-                    <a:lumMod val="75000"/>
-                  </a:schemeClr>
-                </a:solidFill>
-              </a:rPr>
-              <a:t> </a:t>
-            </a:r>
-            <a:r>
-              <a:rPr lang="de-DE" dirty="0" err="1" smtClean="0">
-                <a:solidFill>
-                  <a:schemeClr val="accent6">
-                    <a:lumMod val="75000"/>
-                  </a:schemeClr>
-                </a:solidFill>
-              </a:rPr>
-              <a:t>with</a:t>
-            </a:r>
-            <a:r>
-              <a:rPr lang="de-DE" dirty="0" smtClean="0">
-                <a:solidFill>
-                  <a:schemeClr val="accent6">
-                    <a:lumMod val="75000"/>
-                  </a:schemeClr>
-                </a:solidFill>
-              </a:rPr>
-              <a:t> </a:t>
-            </a:r>
-            <a:r>
-              <a:rPr lang="de-DE" dirty="0" err="1" smtClean="0">
-                <a:solidFill>
-                  <a:schemeClr val="accent6">
-                    <a:lumMod val="75000"/>
-                  </a:schemeClr>
-                </a:solidFill>
-              </a:rPr>
-              <a:t>the</a:t>
-            </a:r>
-            <a:r>
-              <a:rPr lang="de-DE" dirty="0" smtClean="0">
-                <a:solidFill>
-                  <a:schemeClr val="accent6">
-                    <a:lumMod val="75000"/>
-                  </a:schemeClr>
-                </a:solidFill>
-              </a:rPr>
-              <a:t> </a:t>
-            </a:r>
-            <a:r>
-              <a:rPr lang="de-DE" dirty="0" err="1" smtClean="0">
-                <a:solidFill>
-                  <a:schemeClr val="accent6">
-                    <a:lumMod val="75000"/>
-                  </a:schemeClr>
-                </a:solidFill>
-              </a:rPr>
-              <a:t>likelihood</a:t>
-            </a:r>
-            <a:r>
-              <a:rPr lang="de-DE" dirty="0" smtClean="0">
-                <a:solidFill>
-                  <a:schemeClr val="accent6">
-                    <a:lumMod val="75000"/>
-                  </a:schemeClr>
-                </a:solidFill>
-              </a:rPr>
-              <a:t> </a:t>
-            </a:r>
-            <a:r>
-              <a:rPr lang="de-DE" dirty="0" err="1" smtClean="0">
-                <a:solidFill>
-                  <a:schemeClr val="accent6">
-                    <a:lumMod val="75000"/>
-                  </a:schemeClr>
-                </a:solidFill>
-              </a:rPr>
-              <a:t>of</a:t>
-            </a:r>
-            <a:r>
-              <a:rPr lang="de-DE" dirty="0" smtClean="0">
-                <a:solidFill>
-                  <a:schemeClr val="accent6">
-                    <a:lumMod val="75000"/>
-                  </a:schemeClr>
-                </a:solidFill>
-              </a:rPr>
-              <a:t> intergenerational </a:t>
-            </a:r>
-            <a:r>
-              <a:rPr lang="de-DE" dirty="0" err="1" smtClean="0">
-                <a:solidFill>
-                  <a:schemeClr val="accent6">
-                    <a:lumMod val="75000"/>
-                  </a:schemeClr>
-                </a:solidFill>
-              </a:rPr>
-              <a:t>cohabitation</a:t>
-            </a:r>
-            <a:endParaRPr lang="de-DE" dirty="0" smtClean="0">
-              <a:solidFill>
-                <a:schemeClr val="accent6">
-                  <a:lumMod val="75000"/>
-                </a:schemeClr>
-              </a:solidFill>
-            </a:endParaRPr>
+              <a:t>High family expenditures and a good overall economic situation are expected to be negatively associated with the likelihood of intergenerational cohabitation.</a:t>
+            </a:r>
           </a:p>
           <a:p>
             <a:endParaRPr lang="de-DE" dirty="0">
@@ -12493,6 +11382,232 @@
   <p:clrMapOvr>
     <a:masterClrMapping/>
   </p:clrMapOvr>
+  <p:timing>
+    <p:tnLst>
+      <p:par>
+        <p:cTn id="1" dur="indefinite" restart="never" nodeType="tmRoot">
+          <p:childTnLst>
+            <p:seq concurrent="1" nextAc="seek">
+              <p:cTn id="2" dur="indefinite" nodeType="mainSeq">
+                <p:childTnLst>
+                  <p:par>
+                    <p:cTn id="3" fill="hold">
+                      <p:stCondLst>
+                        <p:cond delay="indefinite"/>
+                      </p:stCondLst>
+                      <p:childTnLst>
+                        <p:par>
+                          <p:cTn id="4" fill="hold">
+                            <p:stCondLst>
+                              <p:cond delay="0"/>
+                            </p:stCondLst>
+                            <p:childTnLst>
+                              <p:par>
+                                <p:cTn id="5" presetID="1" presetClass="entr" presetSubtype="0" fill="hold" nodeType="clickEffect">
+                                  <p:stCondLst>
+                                    <p:cond delay="0"/>
+                                  </p:stCondLst>
+                                  <p:childTnLst>
+                                    <p:set>
+                                      <p:cBhvr>
+                                        <p:cTn id="6" dur="1" fill="hold">
+                                          <p:stCondLst>
+                                            <p:cond delay="0"/>
+                                          </p:stCondLst>
+                                        </p:cTn>
+                                        <p:tgtEl>
+                                          <p:spTgt spid="3">
+                                            <p:txEl>
+                                              <p:pRg st="0" end="0"/>
+                                            </p:txEl>
+                                          </p:spTgt>
+                                        </p:tgtEl>
+                                        <p:attrNameLst>
+                                          <p:attrName>style.visibility</p:attrName>
+                                        </p:attrNameLst>
+                                      </p:cBhvr>
+                                      <p:to>
+                                        <p:strVal val="visible"/>
+                                      </p:to>
+                                    </p:set>
+                                  </p:childTnLst>
+                                </p:cTn>
+                              </p:par>
+                            </p:childTnLst>
+                          </p:cTn>
+                        </p:par>
+                      </p:childTnLst>
+                    </p:cTn>
+                  </p:par>
+                  <p:par>
+                    <p:cTn id="7" fill="hold">
+                      <p:stCondLst>
+                        <p:cond delay="indefinite"/>
+                      </p:stCondLst>
+                      <p:childTnLst>
+                        <p:par>
+                          <p:cTn id="8" fill="hold">
+                            <p:stCondLst>
+                              <p:cond delay="0"/>
+                            </p:stCondLst>
+                            <p:childTnLst>
+                              <p:par>
+                                <p:cTn id="9" presetID="1" presetClass="entr" presetSubtype="0" fill="hold" nodeType="clickEffect">
+                                  <p:stCondLst>
+                                    <p:cond delay="0"/>
+                                  </p:stCondLst>
+                                  <p:childTnLst>
+                                    <p:set>
+                                      <p:cBhvr>
+                                        <p:cTn id="10" dur="1" fill="hold">
+                                          <p:stCondLst>
+                                            <p:cond delay="0"/>
+                                          </p:stCondLst>
+                                        </p:cTn>
+                                        <p:tgtEl>
+                                          <p:spTgt spid="3">
+                                            <p:txEl>
+                                              <p:pRg st="2" end="2"/>
+                                            </p:txEl>
+                                          </p:spTgt>
+                                        </p:tgtEl>
+                                        <p:attrNameLst>
+                                          <p:attrName>style.visibility</p:attrName>
+                                        </p:attrNameLst>
+                                      </p:cBhvr>
+                                      <p:to>
+                                        <p:strVal val="visible"/>
+                                      </p:to>
+                                    </p:set>
+                                  </p:childTnLst>
+                                </p:cTn>
+                              </p:par>
+                            </p:childTnLst>
+                          </p:cTn>
+                        </p:par>
+                      </p:childTnLst>
+                    </p:cTn>
+                  </p:par>
+                  <p:par>
+                    <p:cTn id="11" fill="hold">
+                      <p:stCondLst>
+                        <p:cond delay="indefinite"/>
+                      </p:stCondLst>
+                      <p:childTnLst>
+                        <p:par>
+                          <p:cTn id="12" fill="hold">
+                            <p:stCondLst>
+                              <p:cond delay="0"/>
+                            </p:stCondLst>
+                            <p:childTnLst>
+                              <p:par>
+                                <p:cTn id="13" presetID="1" presetClass="entr" presetSubtype="0" fill="hold" nodeType="clickEffect">
+                                  <p:stCondLst>
+                                    <p:cond delay="0"/>
+                                  </p:stCondLst>
+                                  <p:childTnLst>
+                                    <p:set>
+                                      <p:cBhvr>
+                                        <p:cTn id="14" dur="1" fill="hold">
+                                          <p:stCondLst>
+                                            <p:cond delay="0"/>
+                                          </p:stCondLst>
+                                        </p:cTn>
+                                        <p:tgtEl>
+                                          <p:spTgt spid="3">
+                                            <p:txEl>
+                                              <p:pRg st="4" end="4"/>
+                                            </p:txEl>
+                                          </p:spTgt>
+                                        </p:tgtEl>
+                                        <p:attrNameLst>
+                                          <p:attrName>style.visibility</p:attrName>
+                                        </p:attrNameLst>
+                                      </p:cBhvr>
+                                      <p:to>
+                                        <p:strVal val="visible"/>
+                                      </p:to>
+                                    </p:set>
+                                  </p:childTnLst>
+                                </p:cTn>
+                              </p:par>
+                            </p:childTnLst>
+                          </p:cTn>
+                        </p:par>
+                      </p:childTnLst>
+                    </p:cTn>
+                  </p:par>
+                  <p:par>
+                    <p:cTn id="15" fill="hold">
+                      <p:stCondLst>
+                        <p:cond delay="indefinite"/>
+                      </p:stCondLst>
+                      <p:childTnLst>
+                        <p:par>
+                          <p:cTn id="16" fill="hold">
+                            <p:stCondLst>
+                              <p:cond delay="0"/>
+                            </p:stCondLst>
+                            <p:childTnLst>
+                              <p:par>
+                                <p:cTn id="17" presetID="1" presetClass="entr" presetSubtype="0" fill="hold" nodeType="clickEffect">
+                                  <p:stCondLst>
+                                    <p:cond delay="0"/>
+                                  </p:stCondLst>
+                                  <p:childTnLst>
+                                    <p:set>
+                                      <p:cBhvr>
+                                        <p:cTn id="18" dur="1" fill="hold">
+                                          <p:stCondLst>
+                                            <p:cond delay="0"/>
+                                          </p:stCondLst>
+                                        </p:cTn>
+                                        <p:tgtEl>
+                                          <p:spTgt spid="3">
+                                            <p:txEl>
+                                              <p:pRg st="6" end="6"/>
+                                            </p:txEl>
+                                          </p:spTgt>
+                                        </p:tgtEl>
+                                        <p:attrNameLst>
+                                          <p:attrName>style.visibility</p:attrName>
+                                        </p:attrNameLst>
+                                      </p:cBhvr>
+                                      <p:to>
+                                        <p:strVal val="visible"/>
+                                      </p:to>
+                                    </p:set>
+                                  </p:childTnLst>
+                                </p:cTn>
+                              </p:par>
+                            </p:childTnLst>
+                          </p:cTn>
+                        </p:par>
+                      </p:childTnLst>
+                    </p:cTn>
+                  </p:par>
+                </p:childTnLst>
+              </p:cTn>
+              <p:prevCondLst>
+                <p:cond evt="onPrev" delay="0">
+                  <p:tgtEl>
+                    <p:sldTgt/>
+                  </p:tgtEl>
+                </p:cond>
+              </p:prevCondLst>
+              <p:nextCondLst>
+                <p:cond evt="onNext" delay="0">
+                  <p:tgtEl>
+                    <p:sldTgt/>
+                  </p:tgtEl>
+                </p:cond>
+              </p:nextCondLst>
+            </p:seq>
+          </p:childTnLst>
+        </p:cTn>
+      </p:par>
+    </p:tnLst>
+  </p:timing>
 </p:sld>
 </file>
 
@@ -12523,26 +11638,19 @@
             <p:ph idx="1"/>
           </p:nvPr>
         </p:nvSpPr>
-        <p:spPr/>
+        <p:spPr>
+          <a:xfrm>
+            <a:off x="380999" y="1719070"/>
+            <a:ext cx="8407893" cy="4734265"/>
+          </a:xfrm>
+        </p:spPr>
         <p:txBody>
           <a:bodyPr/>
           <a:lstStyle/>
           <a:p>
             <a:r>
               <a:rPr lang="en-GB" dirty="0" smtClean="0"/>
-              <a:t>Data set: Survey on Health, Aging and Retirement in Europe (SHARE), wave </a:t>
-            </a:r>
-            <a:r>
-              <a:rPr lang="en-GB" dirty="0" smtClean="0"/>
-              <a:t>6 </a:t>
-            </a:r>
-            <a:r>
-              <a:rPr lang="en-GB" dirty="0" smtClean="0"/>
-              <a:t>(</a:t>
-            </a:r>
-            <a:r>
-              <a:rPr lang="en-GB" dirty="0" smtClean="0"/>
-              <a:t>2015)</a:t>
+              <a:t>Data set: Survey on Health, Aging and Retirement in Europe (SHARE), wave 6 (2015)</a:t>
             </a:r>
           </a:p>
           <a:p>
@@ -12550,58 +11658,38 @@
           </a:p>
           <a:p>
             <a:r>
-              <a:rPr lang="de-DE" dirty="0" err="1"/>
-              <a:t>Exclusion</a:t>
-            </a:r>
-            <a:r>
-              <a:rPr lang="de-DE" dirty="0"/>
-              <a:t> </a:t>
-            </a:r>
-            <a:r>
-              <a:rPr lang="de-DE" dirty="0" err="1" smtClean="0"/>
-              <a:t>criteria</a:t>
-            </a:r>
-            <a:endParaRPr lang="de-DE" dirty="0"/>
+              <a:rPr lang="en-US" dirty="0" smtClean="0"/>
+              <a:t>Exclusion criteria</a:t>
+            </a:r>
           </a:p>
           <a:p>
             <a:pPr marL="800100"/>
             <a:r>
+              <a:rPr lang="en-US" dirty="0" smtClean="0"/>
+              <a:t>Young adult disabled</a:t>
+            </a:r>
+          </a:p>
+          <a:p>
+            <a:pPr marL="800100"/>
+            <a:r>
+              <a:rPr lang="en-US" dirty="0" smtClean="0"/>
+              <a:t>Parent in care facilities</a:t>
+            </a:r>
+          </a:p>
+          <a:p>
+            <a:pPr marL="800100"/>
+            <a:r>
+              <a:rPr lang="en-US" dirty="0" smtClean="0"/>
+              <a:t>Parents</a:t>
+            </a:r>
+            <a:r>
               <a:rPr lang="de-DE" dirty="0" smtClean="0"/>
-              <a:t>Young adult </a:t>
-            </a:r>
-            <a:r>
-              <a:rPr lang="de-DE" dirty="0" err="1" smtClean="0"/>
-              <a:t>disabled</a:t>
-            </a:r>
-            <a:endParaRPr lang="de-DE" dirty="0" smtClean="0"/>
-          </a:p>
-          <a:p>
-            <a:pPr marL="800100"/>
-            <a:r>
-              <a:rPr lang="de-DE" dirty="0" smtClean="0"/>
-              <a:t>Parent in care </a:t>
-            </a:r>
-            <a:r>
-              <a:rPr lang="de-DE" dirty="0" err="1" smtClean="0"/>
-              <a:t>facilities</a:t>
-            </a:r>
-            <a:endParaRPr lang="de-DE" dirty="0" smtClean="0"/>
-          </a:p>
-          <a:p>
-            <a:pPr marL="800100"/>
-            <a:r>
-              <a:rPr lang="de-DE" dirty="0" err="1" smtClean="0"/>
-              <a:t>Parents</a:t>
-            </a:r>
-            <a:r>
-              <a:rPr lang="de-DE" dirty="0" smtClean="0"/>
-              <a:t> </a:t>
-            </a:r>
-            <a:r>
-              <a:rPr lang="de-DE" dirty="0" err="1" smtClean="0"/>
+              <a:t> </a:t>
+            </a:r>
+            <a:r>
+              <a:rPr lang="en-US" dirty="0" smtClean="0"/>
               <a:t>separated</a:t>
             </a:r>
-            <a:endParaRPr lang="en-GB" dirty="0"/>
           </a:p>
           <a:p>
             <a:endParaRPr lang="en-GB" dirty="0" smtClean="0"/>
@@ -12612,104 +11700,23 @@
               <a:buChar char="Ø"/>
             </a:pPr>
             <a:r>
-              <a:rPr lang="de-DE" dirty="0" smtClean="0"/>
-              <a:t>XX</a:t>
-            </a:r>
-            <a:r>
-              <a:rPr lang="de-DE" dirty="0" smtClean="0"/>
-              <a:t>.XXX </a:t>
-            </a:r>
-            <a:r>
-              <a:rPr lang="de-DE" dirty="0" err="1" smtClean="0"/>
-              <a:t>young</a:t>
-            </a:r>
-            <a:r>
-              <a:rPr lang="de-DE" dirty="0" smtClean="0"/>
-              <a:t> </a:t>
-            </a:r>
-            <a:r>
-              <a:rPr lang="de-DE" dirty="0" err="1" smtClean="0"/>
-              <a:t>adults</a:t>
-            </a:r>
-            <a:r>
-              <a:rPr lang="de-DE" dirty="0" smtClean="0"/>
-              <a:t> </a:t>
-            </a:r>
-            <a:r>
-              <a:rPr lang="de-DE" dirty="0" err="1" smtClean="0"/>
-              <a:t>from</a:t>
-            </a:r>
-            <a:r>
-              <a:rPr lang="de-DE" dirty="0" smtClean="0"/>
-              <a:t> </a:t>
-            </a:r>
-            <a:r>
-              <a:rPr lang="de-DE" dirty="0" smtClean="0"/>
-              <a:t>18</a:t>
-            </a:r>
-            <a:r>
-              <a:rPr lang="de-DE" dirty="0" smtClean="0"/>
-              <a:t>-35 </a:t>
-            </a:r>
-            <a:r>
-              <a:rPr lang="de-DE" dirty="0" err="1" smtClean="0"/>
-              <a:t>and</a:t>
-            </a:r>
-            <a:r>
-              <a:rPr lang="de-DE" dirty="0" smtClean="0"/>
-              <a:t> </a:t>
-            </a:r>
-            <a:r>
-              <a:rPr lang="de-DE" dirty="0" err="1" smtClean="0"/>
-              <a:t>their</a:t>
-            </a:r>
-            <a:r>
-              <a:rPr lang="de-DE" dirty="0" smtClean="0"/>
-              <a:t> </a:t>
-            </a:r>
-            <a:r>
-              <a:rPr lang="de-DE" dirty="0" err="1" smtClean="0"/>
-              <a:t>parents</a:t>
-            </a:r>
+              <a:rPr lang="en-US" dirty="0" smtClean="0"/>
+              <a:t>10,</a:t>
+            </a:r>
+            <a:r>
+              <a:rPr lang="en-US" dirty="0" smtClean="0"/>
+              <a:t>533 young adults from 18 to 35 years and their parents of whom 24% are co-residing with their parents</a:t>
+            </a:r>
+          </a:p>
+          <a:p>
             <a:endParaRPr lang="de-DE" dirty="0" smtClean="0"/>
           </a:p>
           <a:p>
-            <a:endParaRPr lang="de-DE" dirty="0" smtClean="0"/>
-          </a:p>
-          <a:p>
-            <a:r>
-              <a:rPr lang="de-DE" dirty="0" smtClean="0"/>
-              <a:t>Multi-level </a:t>
-            </a:r>
-            <a:r>
-              <a:rPr lang="de-DE" dirty="0" err="1" smtClean="0"/>
-              <a:t>logistic</a:t>
-            </a:r>
-            <a:r>
-              <a:rPr lang="de-DE" dirty="0" smtClean="0"/>
-              <a:t> </a:t>
-            </a:r>
-            <a:r>
-              <a:rPr lang="de-DE" dirty="0" err="1" smtClean="0"/>
-              <a:t>regression</a:t>
-            </a:r>
-            <a:r>
-              <a:rPr lang="de-DE" dirty="0" smtClean="0"/>
-              <a:t> </a:t>
-            </a:r>
-            <a:r>
-              <a:rPr lang="de-DE" dirty="0" err="1" smtClean="0"/>
-              <a:t>with</a:t>
-            </a:r>
-            <a:r>
-              <a:rPr lang="de-DE" dirty="0" smtClean="0"/>
-              <a:t> 3 </a:t>
-            </a:r>
-            <a:r>
-              <a:rPr lang="de-DE" dirty="0" err="1" smtClean="0"/>
-              <a:t>levels</a:t>
-            </a:r>
-            <a:endParaRPr lang="de-DE" dirty="0" smtClean="0"/>
+            <a:r>
+              <a:rPr lang="en-US" dirty="0" smtClean="0"/>
+              <a:t>Multi-level logistic regression with 3 levels</a:t>
+            </a:r>
+            <a:endParaRPr lang="en-US" dirty="0" smtClean="0"/>
           </a:p>
         </p:txBody>
       </p:sp>
@@ -12776,6 +11783,13 @@
   <p:clrMapOvr>
     <a:masterClrMapping/>
   </p:clrMapOvr>
+  <p:timing>
+    <p:tnLst>
+      <p:par>
+        <p:cTn id="1" dur="indefinite" restart="never" nodeType="tmRoot"/>
+      </p:par>
+    </p:tnLst>
+  </p:timing>
 </p:sld>
 </file>
 

--- a/Poster & Präsis/Coll_Tubi.pptx
+++ b/Poster & Präsis/Coll_Tubi.pptx
@@ -1144,27 +1144,27 @@
               <a:t> </a:t>
             </a:r>
             <a:r>
-              <a:rPr lang="de-DE" baseline="0" dirty="0" err="1" smtClean="0"/>
+              <a:rPr lang="de-DE" b="1" baseline="0" dirty="0" err="1" smtClean="0"/>
               <a:t>labour</a:t>
             </a:r>
             <a:r>
-              <a:rPr lang="de-DE" baseline="0" dirty="0" smtClean="0"/>
-              <a:t> </a:t>
-            </a:r>
-            <a:r>
-              <a:rPr lang="de-DE" baseline="0" dirty="0" err="1" smtClean="0"/>
+              <a:rPr lang="de-DE" b="1" baseline="0" dirty="0" smtClean="0"/>
+              <a:t> </a:t>
+            </a:r>
+            <a:r>
+              <a:rPr lang="de-DE" b="1" baseline="0" dirty="0" err="1" smtClean="0"/>
               <a:t>market</a:t>
             </a:r>
             <a:r>
-              <a:rPr lang="de-DE" baseline="0" dirty="0" smtClean="0"/>
-              <a:t> </a:t>
-            </a:r>
-            <a:r>
-              <a:rPr lang="de-DE" baseline="0" dirty="0" err="1" smtClean="0"/>
+              <a:rPr lang="de-DE" b="1" baseline="0" dirty="0" smtClean="0"/>
+              <a:t> </a:t>
+            </a:r>
+            <a:r>
+              <a:rPr lang="de-DE" b="1" baseline="0" dirty="0" err="1" smtClean="0"/>
               <a:t>shocks</a:t>
             </a:r>
             <a:r>
-              <a:rPr lang="de-DE" baseline="0" dirty="0" smtClean="0"/>
+              <a:rPr lang="de-DE" b="1" baseline="0" dirty="0" smtClean="0"/>
               <a:t> </a:t>
             </a:r>
             <a:r>
@@ -1218,24 +1218,9 @@
                 <a:ea typeface="+mn-ea"/>
                 <a:cs typeface="+mn-cs"/>
               </a:rPr>
-              <a:t>Social security benefits have the purpose to allow for a high level of employment. Cohabitation of young adults and their</a:t>
-            </a:r>
-          </a:p>
-          <a:p>
-            <a:r>
-              <a:rPr lang="en-GB" sz="1200" b="0" i="0" u="none" strike="noStrike" kern="1200" baseline="0" dirty="0" smtClean="0">
-                <a:solidFill>
-                  <a:schemeClr val="tx1"/>
-                </a:solidFill>
-                <a:latin typeface="+mn-lt"/>
-                <a:ea typeface="+mn-ea"/>
-                <a:cs typeface="+mn-cs"/>
-              </a:rPr>
-              <a:t>parents therefore can be seen as an information source indicating which economic insecurities are not sufficiently counterbalanced by existing welfare policies.</a:t>
-            </a:r>
-          </a:p>
-          <a:p>
-            <a:endParaRPr lang="de-DE" sz="1200" b="0" i="0" u="none" strike="noStrike" kern="1200" baseline="0" dirty="0" smtClean="0">
+              <a:t>Social security benefits have the purpose to allow for a high level of employment. </a:t>
+            </a:r>
+            <a:endParaRPr lang="en-GB" sz="1200" b="0" i="0" u="none" strike="noStrike" kern="1200" baseline="0" dirty="0" smtClean="0">
               <a:solidFill>
                 <a:schemeClr val="tx1"/>
               </a:solidFill>
@@ -1245,104 +1230,6 @@
             </a:endParaRPr>
           </a:p>
           <a:p>
-            <a:r>
-              <a:rPr lang="de-DE" dirty="0" err="1" smtClean="0"/>
-              <a:t>One</a:t>
-            </a:r>
-            <a:r>
-              <a:rPr lang="de-DE" dirty="0" smtClean="0"/>
-              <a:t> </a:t>
-            </a:r>
-            <a:r>
-              <a:rPr lang="de-DE" dirty="0" err="1" smtClean="0"/>
-              <a:t>needs</a:t>
-            </a:r>
-            <a:r>
-              <a:rPr lang="de-DE" dirty="0" smtClean="0"/>
-              <a:t> </a:t>
-            </a:r>
-            <a:r>
-              <a:rPr lang="de-DE" dirty="0" err="1" smtClean="0"/>
-              <a:t>to</a:t>
-            </a:r>
-            <a:r>
-              <a:rPr lang="de-DE" dirty="0" smtClean="0"/>
-              <a:t> </a:t>
-            </a:r>
-            <a:r>
-              <a:rPr lang="de-DE" dirty="0" err="1" smtClean="0"/>
-              <a:t>have</a:t>
-            </a:r>
-            <a:r>
-              <a:rPr lang="de-DE" dirty="0" smtClean="0"/>
-              <a:t> </a:t>
-            </a:r>
-            <a:r>
-              <a:rPr lang="de-DE" dirty="0" err="1" smtClean="0"/>
-              <a:t>financial</a:t>
-            </a:r>
-            <a:r>
-              <a:rPr lang="de-DE" dirty="0" smtClean="0"/>
-              <a:t> </a:t>
-            </a:r>
-            <a:r>
-              <a:rPr lang="de-DE" dirty="0" err="1" smtClean="0"/>
-              <a:t>means</a:t>
-            </a:r>
-            <a:r>
-              <a:rPr lang="de-DE" dirty="0" smtClean="0"/>
-              <a:t> </a:t>
-            </a:r>
-            <a:r>
-              <a:rPr lang="de-DE" dirty="0" err="1" smtClean="0"/>
-              <a:t>to</a:t>
-            </a:r>
-            <a:r>
-              <a:rPr lang="de-DE" baseline="0" dirty="0" smtClean="0"/>
-              <a:t> </a:t>
-            </a:r>
-            <a:r>
-              <a:rPr lang="de-DE" baseline="0" dirty="0" err="1" smtClean="0"/>
-              <a:t>establish</a:t>
-            </a:r>
-            <a:r>
-              <a:rPr lang="de-DE" baseline="0" dirty="0" smtClean="0"/>
-              <a:t> a </a:t>
-            </a:r>
-            <a:r>
-              <a:rPr lang="de-DE" baseline="0" dirty="0" err="1" smtClean="0"/>
-              <a:t>household</a:t>
-            </a:r>
-            <a:r>
-              <a:rPr lang="de-DE" baseline="0" dirty="0" smtClean="0"/>
-              <a:t> in </a:t>
-            </a:r>
-            <a:r>
-              <a:rPr lang="de-DE" baseline="0" dirty="0" err="1" smtClean="0"/>
-              <a:t>the</a:t>
-            </a:r>
-            <a:r>
-              <a:rPr lang="de-DE" baseline="0" dirty="0" smtClean="0"/>
-              <a:t> </a:t>
-            </a:r>
-            <a:r>
-              <a:rPr lang="de-DE" baseline="0" dirty="0" err="1" smtClean="0"/>
-              <a:t>first</a:t>
-            </a:r>
-            <a:r>
-              <a:rPr lang="de-DE" baseline="0" dirty="0" smtClean="0"/>
-              <a:t> </a:t>
-            </a:r>
-            <a:r>
-              <a:rPr lang="de-DE" baseline="0" dirty="0" err="1" smtClean="0"/>
-              <a:t>place</a:t>
-            </a:r>
-            <a:r>
-              <a:rPr lang="de-DE" baseline="0" dirty="0" smtClean="0"/>
-              <a:t>. </a:t>
-            </a:r>
-          </a:p>
-          <a:p>
             <a:endParaRPr lang="de-DE" baseline="0" dirty="0" smtClean="0"/>
           </a:p>
           <a:p>
@@ -1426,17 +1313,6 @@
               <a:rPr lang="de-DE" baseline="0" dirty="0" smtClean="0"/>
               <a:t> etc. </a:t>
             </a:r>
-          </a:p>
-          <a:p>
-            <a:r>
-              <a:rPr lang="de-DE" baseline="0" dirty="0" smtClean="0"/>
-              <a:t>Well-</a:t>
-            </a:r>
-            <a:r>
-              <a:rPr lang="de-DE" baseline="0" dirty="0" err="1" smtClean="0"/>
-              <a:t>established</a:t>
-            </a:r>
-            <a:endParaRPr lang="de-DE" baseline="0" dirty="0" smtClean="0"/>
           </a:p>
           <a:p>
             <a:endParaRPr lang="de-DE" baseline="0" dirty="0" smtClean="0"/>
@@ -3482,55 +3358,7 @@
                 <a:ea typeface="+mn-ea"/>
                 <a:cs typeface="+mn-cs"/>
               </a:rPr>
-              <a:t>II. The presence of adults siblings in the parental home likely a higher level of familialistic values and parents’ </a:t>
-            </a:r>
-            <a:r>
-              <a:rPr lang="en-GB" sz="1200" b="0" i="0" u="none" strike="noStrike" kern="1200" baseline="0" dirty="0" err="1" smtClean="0">
-                <a:solidFill>
-                  <a:schemeClr val="tx1"/>
-                </a:solidFill>
-                <a:effectLst/>
-                <a:latin typeface="+mn-lt"/>
-                <a:ea typeface="+mn-ea"/>
-                <a:cs typeface="+mn-cs"/>
-              </a:rPr>
-              <a:t>willigness</a:t>
-            </a:r>
-            <a:r>
-              <a:rPr lang="en-GB" sz="1200" b="0" i="0" u="none" strike="noStrike" kern="1200" baseline="0" dirty="0" smtClean="0">
-                <a:solidFill>
-                  <a:schemeClr val="tx1"/>
-                </a:solidFill>
-                <a:effectLst/>
-                <a:latin typeface="+mn-lt"/>
-                <a:ea typeface="+mn-ea"/>
-                <a:cs typeface="+mn-cs"/>
-              </a:rPr>
-              <a:t> to </a:t>
-            </a:r>
-            <a:r>
-              <a:rPr lang="en-GB" sz="1200" b="0" i="0" u="none" strike="noStrike" kern="1200" baseline="0" dirty="0" err="1" smtClean="0">
-                <a:solidFill>
-                  <a:schemeClr val="tx1"/>
-                </a:solidFill>
-                <a:effectLst/>
-                <a:latin typeface="+mn-lt"/>
-                <a:ea typeface="+mn-ea"/>
-                <a:cs typeface="+mn-cs"/>
-              </a:rPr>
-              <a:t>coreside</a:t>
-            </a:r>
-            <a:r>
-              <a:rPr lang="en-GB" sz="1200" b="0" i="0" u="none" strike="noStrike" kern="1200" baseline="0" dirty="0" smtClean="0">
-                <a:solidFill>
-                  <a:schemeClr val="tx1"/>
-                </a:solidFill>
-                <a:effectLst/>
-                <a:latin typeface="+mn-lt"/>
-                <a:ea typeface="+mn-ea"/>
-                <a:cs typeface="+mn-cs"/>
-              </a:rPr>
-              <a:t> with an adult child. </a:t>
+              <a:t>II. The presence of adults siblings in the parental home likely signals a higher level of familialistic values and parents’ willingness to co-reside with an adult child. </a:t>
             </a:r>
           </a:p>
           <a:p>
@@ -8277,118 +8105,18 @@
           <a:p>
             <a:pPr algn="ctr"/>
             <a:r>
-              <a:rPr lang="de-DE" sz="2400" dirty="0" err="1" smtClean="0"/>
-              <a:t>Examining</a:t>
-            </a:r>
-            <a:r>
               <a:rPr lang="de-DE" sz="2400" dirty="0" smtClean="0"/>
-              <a:t> </a:t>
-            </a:r>
-            <a:r>
-              <a:rPr lang="de-DE" sz="2400" dirty="0" err="1" smtClean="0"/>
-              <a:t>the</a:t>
-            </a:r>
-            <a:r>
-              <a:rPr lang="de-DE" sz="2400" dirty="0" smtClean="0"/>
-              <a:t> </a:t>
-            </a:r>
-            <a:r>
-              <a:rPr lang="de-DE" sz="2400" dirty="0" err="1" smtClean="0"/>
-              <a:t>influence</a:t>
-            </a:r>
-            <a:r>
-              <a:rPr lang="de-DE" sz="2400" dirty="0" smtClean="0"/>
-              <a:t> </a:t>
-            </a:r>
-            <a:r>
-              <a:rPr lang="de-DE" sz="2400" dirty="0" err="1" smtClean="0"/>
-              <a:t>of</a:t>
-            </a:r>
-            <a:r>
-              <a:rPr lang="de-DE" sz="2400" dirty="0" smtClean="0"/>
-              <a:t> parental familialistic </a:t>
-            </a:r>
-            <a:r>
-              <a:rPr lang="de-DE" sz="2400" dirty="0" err="1" smtClean="0"/>
-              <a:t>solidarity</a:t>
-            </a:r>
-            <a:r>
-              <a:rPr lang="de-DE" sz="2400" dirty="0" smtClean="0"/>
-              <a:t> on </a:t>
-            </a:r>
-            <a:r>
-              <a:rPr lang="de-DE" sz="2400" dirty="0" err="1" smtClean="0"/>
-              <a:t>cohabitation</a:t>
-            </a:r>
-            <a:r>
-              <a:rPr lang="de-DE" sz="2400" dirty="0" smtClean="0"/>
-              <a:t> </a:t>
-            </a:r>
-            <a:r>
-              <a:rPr lang="de-DE" sz="2400" dirty="0" err="1" smtClean="0"/>
-              <a:t>between</a:t>
-            </a:r>
-            <a:r>
-              <a:rPr lang="de-DE" sz="2400" dirty="0" smtClean="0"/>
-              <a:t> </a:t>
-            </a:r>
-            <a:r>
-              <a:rPr lang="de-DE" sz="2400" dirty="0" err="1" smtClean="0"/>
-              <a:t>young</a:t>
-            </a:r>
-            <a:r>
-              <a:rPr lang="de-DE" sz="2400" dirty="0" smtClean="0"/>
-              <a:t> </a:t>
-            </a:r>
-            <a:r>
-              <a:rPr lang="de-DE" sz="2400" dirty="0" err="1" smtClean="0"/>
-              <a:t>adults</a:t>
-            </a:r>
-            <a:r>
-              <a:rPr lang="de-DE" sz="2400" dirty="0" smtClean="0"/>
-              <a:t> </a:t>
-            </a:r>
-            <a:r>
-              <a:rPr lang="de-DE" sz="2400" dirty="0" err="1" smtClean="0"/>
-              <a:t>and</a:t>
-            </a:r>
-            <a:r>
-              <a:rPr lang="de-DE" sz="2400" dirty="0" smtClean="0"/>
-              <a:t> </a:t>
-            </a:r>
-            <a:r>
-              <a:rPr lang="de-DE" sz="2400" dirty="0" err="1" smtClean="0"/>
-              <a:t>their</a:t>
-            </a:r>
-            <a:r>
-              <a:rPr lang="de-DE" sz="2400" dirty="0" smtClean="0"/>
-              <a:t> </a:t>
-            </a:r>
-            <a:r>
-              <a:rPr lang="de-DE" sz="2400" dirty="0" err="1" smtClean="0"/>
-              <a:t>parents</a:t>
-            </a:r>
-            <a:r>
-              <a:rPr lang="de-DE" sz="2400" dirty="0" smtClean="0"/>
-              <a:t> </a:t>
-            </a:r>
-            <a:r>
-              <a:rPr lang="de-DE" sz="2400" dirty="0" err="1" smtClean="0"/>
-              <a:t>across</a:t>
-            </a:r>
-            <a:r>
-              <a:rPr lang="de-DE" sz="2400" dirty="0" smtClean="0"/>
-              <a:t> </a:t>
-            </a:r>
-            <a:r>
-              <a:rPr lang="de-DE" sz="2400" dirty="0"/>
-              <a:t>E</a:t>
-            </a:r>
-            <a:r>
-              <a:rPr lang="de-DE" sz="2400" dirty="0" smtClean="0"/>
-              <a:t>urope</a:t>
-            </a:r>
-            <a:endParaRPr lang="de-DE" sz="2400" dirty="0"/>
+              <a:t>Ex</a:t>
+            </a:r>
+            <a:r>
+              <a:rPr lang="en-US" sz="2400" dirty="0" err="1" smtClean="0"/>
+              <a:t>amining</a:t>
+            </a:r>
+            <a:r>
+              <a:rPr lang="en-US" sz="2400" dirty="0" smtClean="0"/>
+              <a:t> the influence of parental familialistic solidarity on cohabitation between young adults and their parents across Europe</a:t>
+            </a:r>
+            <a:endParaRPr lang="en-US" sz="2400" dirty="0"/>
           </a:p>
         </p:txBody>
       </p:sp>
@@ -8537,21 +8265,8 @@
             <a:pPr marL="814388" indent="-342900"/>
             <a:r>
               <a:rPr lang="en-GB" dirty="0" smtClean="0"/>
-              <a:t>Parents indicate number of family members supported </a:t>
-            </a:r>
-            <a:r>
-              <a:rPr lang="en-GB" dirty="0" smtClean="0"/>
-              <a:t>(up to 3) </a:t>
-            </a:r>
-            <a:r>
-              <a:rPr lang="en-GB" dirty="0" smtClean="0"/>
-              <a:t>&amp; frequency </a:t>
-            </a:r>
-            <a:r>
-              <a:rPr lang="en-GB" dirty="0" smtClean="0"/>
-              <a:t>(daily, weekly, monthly, fewer, never)</a:t>
-            </a:r>
-            <a:endParaRPr lang="en-GB" dirty="0" smtClean="0"/>
+              <a:t>Parents indicate number of family members supported (up to 3) &amp; frequency (daily, weekly, monthly, fewer, never)</a:t>
+            </a:r>
           </a:p>
           <a:p>
             <a:pPr marL="1085850" indent="0">
@@ -9175,7 +8890,7 @@
         <p:spPr>
           <a:xfrm>
             <a:off x="412552" y="5332566"/>
-            <a:ext cx="2719288" cy="369332"/>
+            <a:ext cx="2719288" cy="646331"/>
           </a:xfrm>
           <a:prstGeom prst="rect">
             <a:avLst/>
@@ -9190,7 +8905,13 @@
           <a:p>
             <a:r>
               <a:rPr lang="de-DE" dirty="0" smtClean="0"/>
-              <a:t>N= 7016, 4106 HHs</a:t>
+              <a:t>N= 7016</a:t>
+            </a:r>
+          </a:p>
+          <a:p>
+            <a:r>
+              <a:rPr lang="de-DE" dirty="0" smtClean="0"/>
+              <a:t>4106 HHs</a:t>
             </a:r>
             <a:endParaRPr lang="en-GB" dirty="0"/>
           </a:p>
@@ -9391,7 +9112,7 @@
             </a:r>
             <a:r>
               <a:rPr lang="de-DE" dirty="0" smtClean="0"/>
-              <a:t> </a:t>
+              <a:t> parental </a:t>
             </a:r>
             <a:r>
               <a:rPr lang="de-DE" dirty="0" err="1" smtClean="0"/>
@@ -9411,23 +9132,7 @@
             </a:r>
             <a:r>
               <a:rPr lang="de-DE" dirty="0" err="1" smtClean="0"/>
-              <a:t>of</a:t>
-            </a:r>
-            <a:r>
-              <a:rPr lang="de-DE" dirty="0" smtClean="0"/>
-              <a:t> </a:t>
-            </a:r>
-            <a:r>
-              <a:rPr lang="de-DE" dirty="0" err="1" smtClean="0"/>
-              <a:t>parents</a:t>
-            </a:r>
-            <a:r>
-              <a:rPr lang="de-DE" dirty="0" smtClean="0"/>
-              <a:t> </a:t>
-            </a:r>
-            <a:r>
-              <a:rPr lang="de-DE" dirty="0" err="1" smtClean="0"/>
-              <a:t>towards</a:t>
+              <a:t>for</a:t>
             </a:r>
             <a:r>
               <a:rPr lang="de-DE" dirty="0" smtClean="0"/>
@@ -9568,7 +9273,7 @@
             <a:pPr marL="723900" lvl="1" indent="0" defTabSz="901700"/>
             <a:r>
               <a:rPr lang="en-US" sz="2000" dirty="0" smtClean="0"/>
-              <a:t> no information: </a:t>
+              <a:t> No information: </a:t>
             </a:r>
             <a:r>
               <a:rPr lang="de-DE" sz="2000" dirty="0" err="1" smtClean="0"/>
@@ -9787,7 +9492,15 @@
                   <a:srgbClr val="4D4D4D"/>
                 </a:solidFill>
               </a:rPr>
-              <a:t>c</a:t>
+              <a:t>cohabitation</a:t>
+            </a:r>
+            <a:r>
+              <a:rPr lang="de-DE" sz="2400" dirty="0" smtClean="0">
+                <a:solidFill>
+                  <a:srgbClr val="4D4D4D"/>
+                </a:solidFill>
+              </a:rPr>
+              <a:t> </a:t>
             </a:r>
             <a:r>
               <a:rPr lang="de-DE" sz="2400" dirty="0" err="1" smtClean="0">
@@ -9795,7 +9508,7 @@
                   <a:srgbClr val="4D4D4D"/>
                 </a:solidFill>
               </a:rPr>
-              <a:t>ohabitation</a:t>
+              <a:t>is</a:t>
             </a:r>
             <a:r>
               <a:rPr lang="de-DE" sz="2400" dirty="0" smtClean="0">
@@ -9806,12 +9519,36 @@
               <a:t> </a:t>
             </a:r>
             <a:r>
-              <a:rPr lang="de-DE" sz="2400" dirty="0" err="1" smtClean="0">
+              <a:rPr lang="de-DE" sz="2400" dirty="0">
                 <a:solidFill>
                   <a:srgbClr val="4D4D4D"/>
                 </a:solidFill>
               </a:rPr>
-              <a:t>is</a:t>
+              <a:t>an </a:t>
+            </a:r>
+            <a:r>
+              <a:rPr lang="de-DE" sz="2400" dirty="0" err="1">
+                <a:solidFill>
+                  <a:srgbClr val="4D4D4D"/>
+                </a:solidFill>
+              </a:rPr>
+              <a:t>information</a:t>
+            </a:r>
+            <a:r>
+              <a:rPr lang="de-DE" sz="2400" dirty="0">
+                <a:solidFill>
+                  <a:srgbClr val="4D4D4D"/>
+                </a:solidFill>
+              </a:rPr>
+              <a:t> </a:t>
+            </a:r>
+            <a:r>
+              <a:rPr lang="en-US" sz="2400" dirty="0" smtClean="0">
+                <a:solidFill>
+                  <a:srgbClr val="4D4D4D"/>
+                </a:solidFill>
+              </a:rPr>
+              <a:t>source</a:t>
             </a:r>
             <a:r>
               <a:rPr lang="de-DE" sz="2400" dirty="0" smtClean="0">
@@ -9822,52 +9559,20 @@
               <a:t> </a:t>
             </a:r>
             <a:r>
-              <a:rPr lang="de-DE" sz="2400" dirty="0">
+              <a:rPr lang="en-GB" sz="2400" dirty="0">
                 <a:solidFill>
                   <a:srgbClr val="4D4D4D"/>
                 </a:solidFill>
               </a:rPr>
-              <a:t>an </a:t>
-            </a:r>
-            <a:r>
-              <a:rPr lang="de-DE" sz="2400" dirty="0" err="1">
+              <a:t>indicating which economic insecurities are not sufficiently counterbalanced by existing welfare </a:t>
+            </a:r>
+            <a:r>
+              <a:rPr lang="en-GB" sz="2400" dirty="0" smtClean="0">
                 <a:solidFill>
                   <a:srgbClr val="4D4D4D"/>
                 </a:solidFill>
               </a:rPr>
-              <a:t>information</a:t>
-            </a:r>
-            <a:r>
-              <a:rPr lang="de-DE" sz="2400" dirty="0">
-                <a:solidFill>
-                  <a:srgbClr val="4D4D4D"/>
-                </a:solidFill>
-              </a:rPr>
-              <a:t> </a:t>
-            </a:r>
-            <a:r>
-              <a:rPr lang="de-DE" sz="2400" dirty="0" err="1">
-                <a:solidFill>
-                  <a:srgbClr val="4D4D4D"/>
-                </a:solidFill>
-              </a:rPr>
-              <a:t>source</a:t>
-            </a:r>
-            <a:r>
-              <a:rPr lang="de-DE" sz="2400" dirty="0">
-                <a:solidFill>
-                  <a:srgbClr val="4D4D4D"/>
-                </a:solidFill>
-              </a:rPr>
-              <a:t> </a:t>
-            </a:r>
-            <a:r>
-              <a:rPr lang="en-GB" sz="2400" dirty="0">
-                <a:solidFill>
-                  <a:srgbClr val="4D4D4D"/>
-                </a:solidFill>
-              </a:rPr>
-              <a:t>indicating which economic insecurities are not sufficiently counterbalanced by existing welfare policies</a:t>
+              <a:t>policies.</a:t>
             </a:r>
             <a:endParaRPr lang="de-DE" sz="2400" dirty="0">
               <a:solidFill>
@@ -10264,21 +9969,38 @@
             </a:r>
           </a:p>
           <a:p>
-            <a:pPr lvl="1">
+            <a:pPr marL="901700" lvl="1" indent="-190500">
               <a:buFont typeface="Wingdings" panose="05000000000000000000" pitchFamily="2" charset="2"/>
               <a:buChar char="Ø"/>
             </a:pPr>
             <a:r>
               <a:rPr lang="en-GB" sz="2000" dirty="0" smtClean="0"/>
-              <a:t>Yet</a:t>
+              <a:t> Yet</a:t>
             </a:r>
             <a:r>
               <a:rPr lang="en-GB" sz="2000" dirty="0"/>
-              <a:t>, it is crucial to study it in the more independent stages of </a:t>
+              <a:t>, it is crucial to study it in the more independent </a:t>
             </a:r>
             <a:r>
               <a:rPr lang="en-GB" sz="2000" dirty="0" smtClean="0"/>
-              <a:t>life</a:t>
+              <a:t>  </a:t>
+            </a:r>
+          </a:p>
+          <a:p>
+            <a:pPr marL="990600" lvl="1" indent="0">
+              <a:buNone/>
+            </a:pPr>
+            <a:r>
+              <a:rPr lang="en-GB" sz="2000" dirty="0" smtClean="0"/>
+              <a:t>stages </a:t>
+            </a:r>
+            <a:r>
+              <a:rPr lang="en-GB" sz="2000" dirty="0"/>
+              <a:t>of </a:t>
+            </a:r>
+            <a:r>
+              <a:rPr lang="en-GB" sz="2000" dirty="0" smtClean="0"/>
+              <a:t>life.</a:t>
             </a:r>
             <a:endParaRPr lang="en-GB" sz="2000" dirty="0"/>
           </a:p>
@@ -10397,15 +10119,23 @@
           <a:p>
             <a:pPr marL="1528763"/>
             <a:r>
+              <a:rPr lang="en-GB" dirty="0"/>
+              <a:t>O</a:t>
+            </a:r>
+            <a:r>
               <a:rPr lang="en-GB" dirty="0" smtClean="0"/>
-              <a:t>opportunities: e.g. living space</a:t>
+              <a:t>pportunities: e.g. living space</a:t>
             </a:r>
           </a:p>
           <a:p>
             <a:pPr marL="1528763"/>
             <a:r>
+              <a:rPr lang="en-GB" dirty="0"/>
+              <a:t>N</a:t>
+            </a:r>
+            <a:r>
               <a:rPr lang="en-GB" dirty="0" smtClean="0"/>
-              <a:t>needs: economic, social, care </a:t>
+              <a:t>eeds: economic, social, care </a:t>
             </a:r>
           </a:p>
           <a:p>
@@ -10427,8 +10157,12 @@
           <a:p>
             <a:pPr marL="1528763"/>
             <a:r>
+              <a:rPr lang="en-GB" dirty="0"/>
+              <a:t>F</a:t>
+            </a:r>
+            <a:r>
               <a:rPr lang="en-GB" dirty="0" smtClean="0"/>
-              <a:t>family structure: e.g. relationship status, number of children of both generations</a:t>
+              <a:t>amily structure: e.g. relationship status, number of children of both generations</a:t>
             </a:r>
           </a:p>
           <a:p>
@@ -10450,8 +10184,12 @@
           <a:p>
             <a:pPr marL="1528763"/>
             <a:r>
+              <a:rPr lang="en-GB" dirty="0"/>
+              <a:t>C</a:t>
+            </a:r>
+            <a:r>
               <a:rPr lang="en-GB" dirty="0" smtClean="0"/>
-              <a:t>cultural-contextual factors: e.g. national family expenses, overall economic situation</a:t>
+              <a:t>ultural-contextual factors: e.g. national family expenses, overall economic situation</a:t>
             </a:r>
             <a:endParaRPr lang="en-GB" dirty="0"/>
           </a:p>
@@ -10702,13 +10440,102 @@
               <a:buChar char="§"/>
             </a:pPr>
             <a:r>
-              <a:rPr lang="en-GB" dirty="0"/>
-              <a:t>Taking in a relative in need implies a feeling of </a:t>
-            </a:r>
-            <a:r>
-              <a:rPr lang="en-GB" dirty="0" smtClean="0"/>
-              <a:t>solidarity</a:t>
-            </a:r>
+              <a:rPr lang="de-DE" dirty="0"/>
+              <a:t>Not </a:t>
+            </a:r>
+            <a:r>
+              <a:rPr lang="de-DE" dirty="0" err="1"/>
+              <a:t>only</a:t>
+            </a:r>
+            <a:r>
+              <a:rPr lang="de-DE" dirty="0"/>
+              <a:t> </a:t>
+            </a:r>
+            <a:r>
+              <a:rPr lang="de-DE" dirty="0" err="1"/>
+              <a:t>the</a:t>
+            </a:r>
+            <a:r>
+              <a:rPr lang="de-DE" dirty="0"/>
+              <a:t> </a:t>
+            </a:r>
+            <a:r>
+              <a:rPr lang="de-DE" dirty="0" err="1"/>
+              <a:t>need</a:t>
+            </a:r>
+            <a:r>
+              <a:rPr lang="de-DE" dirty="0"/>
+              <a:t> </a:t>
+            </a:r>
+            <a:r>
+              <a:rPr lang="de-DE" dirty="0" err="1"/>
+              <a:t>itself</a:t>
+            </a:r>
+            <a:r>
+              <a:rPr lang="de-DE" dirty="0"/>
+              <a:t> </a:t>
+            </a:r>
+            <a:r>
+              <a:rPr lang="de-DE" dirty="0" err="1"/>
+              <a:t>determines</a:t>
+            </a:r>
+            <a:r>
+              <a:rPr lang="de-DE" dirty="0"/>
+              <a:t> an </a:t>
+            </a:r>
+            <a:r>
+              <a:rPr lang="de-DE" dirty="0" err="1"/>
+              <a:t>offer</a:t>
+            </a:r>
+            <a:r>
+              <a:rPr lang="de-DE" dirty="0"/>
+              <a:t> </a:t>
+            </a:r>
+            <a:r>
+              <a:rPr lang="de-DE" dirty="0" err="1"/>
+              <a:t>of</a:t>
+            </a:r>
+            <a:r>
+              <a:rPr lang="de-DE" dirty="0"/>
+              <a:t> </a:t>
+            </a:r>
+            <a:r>
+              <a:rPr lang="de-DE" dirty="0" err="1"/>
+              <a:t>support</a:t>
+            </a:r>
+            <a:r>
+              <a:rPr lang="de-DE" dirty="0"/>
+              <a:t> but </a:t>
+            </a:r>
+            <a:r>
+              <a:rPr lang="de-DE" u="sng" dirty="0" err="1"/>
+              <a:t>recognition</a:t>
+            </a:r>
+            <a:r>
+              <a:rPr lang="de-DE" dirty="0"/>
+              <a:t> </a:t>
+            </a:r>
+            <a:r>
+              <a:rPr lang="de-DE" dirty="0" err="1"/>
+              <a:t>of</a:t>
+            </a:r>
+            <a:r>
+              <a:rPr lang="de-DE" dirty="0"/>
+              <a:t> </a:t>
+            </a:r>
+            <a:r>
+              <a:rPr lang="de-DE" dirty="0" err="1"/>
+              <a:t>that</a:t>
+            </a:r>
+            <a:r>
+              <a:rPr lang="de-DE" dirty="0"/>
+              <a:t> </a:t>
+            </a:r>
+            <a:r>
+              <a:rPr lang="de-DE" dirty="0" err="1"/>
+              <a:t>need</a:t>
+            </a:r>
+            <a:endParaRPr lang="en-GB" dirty="0"/>
           </a:p>
           <a:p>
             <a:pPr marL="1100138" indent="-342900">
@@ -10716,102 +10543,17 @@
               <a:buChar char="§"/>
             </a:pPr>
             <a:r>
-              <a:rPr lang="de-DE" dirty="0" smtClean="0"/>
-              <a:t>Not </a:t>
-            </a:r>
-            <a:r>
-              <a:rPr lang="de-DE" dirty="0" err="1" smtClean="0"/>
-              <a:t>only</a:t>
-            </a:r>
-            <a:r>
-              <a:rPr lang="de-DE" dirty="0" smtClean="0"/>
-              <a:t> </a:t>
-            </a:r>
-            <a:r>
-              <a:rPr lang="de-DE" dirty="0" err="1" smtClean="0"/>
-              <a:t>the</a:t>
-            </a:r>
-            <a:r>
-              <a:rPr lang="de-DE" dirty="0" smtClean="0"/>
-              <a:t> </a:t>
-            </a:r>
-            <a:r>
-              <a:rPr lang="de-DE" dirty="0" err="1" smtClean="0"/>
-              <a:t>need</a:t>
-            </a:r>
-            <a:r>
-              <a:rPr lang="de-DE" dirty="0" smtClean="0"/>
-              <a:t> </a:t>
-            </a:r>
-            <a:r>
-              <a:rPr lang="de-DE" dirty="0" err="1" smtClean="0"/>
-              <a:t>itself</a:t>
-            </a:r>
-            <a:r>
-              <a:rPr lang="de-DE" dirty="0" smtClean="0"/>
-              <a:t> </a:t>
-            </a:r>
-            <a:r>
-              <a:rPr lang="de-DE" dirty="0" err="1" smtClean="0"/>
-              <a:t>determines</a:t>
-            </a:r>
-            <a:r>
-              <a:rPr lang="de-DE" dirty="0" smtClean="0"/>
-              <a:t> an </a:t>
-            </a:r>
-            <a:r>
-              <a:rPr lang="de-DE" dirty="0" err="1" smtClean="0"/>
-              <a:t>offer</a:t>
-            </a:r>
-            <a:r>
-              <a:rPr lang="de-DE" dirty="0" smtClean="0"/>
-              <a:t> </a:t>
-            </a:r>
-            <a:r>
-              <a:rPr lang="de-DE" dirty="0" err="1" smtClean="0"/>
-              <a:t>of</a:t>
-            </a:r>
-            <a:r>
-              <a:rPr lang="de-DE" dirty="0" smtClean="0"/>
-              <a:t> </a:t>
-            </a:r>
-            <a:r>
-              <a:rPr lang="de-DE" dirty="0" err="1" smtClean="0"/>
-              <a:t>support</a:t>
-            </a:r>
-            <a:r>
-              <a:rPr lang="de-DE" dirty="0" smtClean="0"/>
-              <a:t> but </a:t>
-            </a:r>
-            <a:r>
-              <a:rPr lang="de-DE" u="sng" dirty="0" err="1" smtClean="0"/>
-              <a:t>recognition</a:t>
-            </a:r>
-            <a:r>
-              <a:rPr lang="de-DE" dirty="0" smtClean="0"/>
-              <a:t> </a:t>
-            </a:r>
-            <a:r>
-              <a:rPr lang="de-DE" dirty="0" err="1" smtClean="0"/>
-              <a:t>of</a:t>
-            </a:r>
-            <a:r>
-              <a:rPr lang="de-DE" dirty="0" smtClean="0"/>
-              <a:t> </a:t>
-            </a:r>
-            <a:r>
-              <a:rPr lang="de-DE" dirty="0" err="1" smtClean="0"/>
-              <a:t>that</a:t>
-            </a:r>
-            <a:r>
-              <a:rPr lang="de-DE" dirty="0" smtClean="0"/>
-              <a:t> </a:t>
-            </a:r>
-            <a:r>
-              <a:rPr lang="de-DE" dirty="0" err="1" smtClean="0"/>
-              <a:t>need</a:t>
-            </a:r>
-            <a:endParaRPr lang="en-GB" dirty="0" smtClean="0"/>
+              <a:rPr lang="en-GB" dirty="0" smtClean="0"/>
+              <a:t>Taking </a:t>
+            </a:r>
+            <a:r>
+              <a:rPr lang="en-GB" dirty="0"/>
+              <a:t>in a relative in need implies a feeling of </a:t>
+            </a:r>
+            <a:r>
+              <a:rPr lang="en-GB" dirty="0" smtClean="0"/>
+              <a:t>solidarity</a:t>
+            </a:r>
           </a:p>
           <a:p>
             <a:pPr marL="757238" indent="0">
@@ -10825,8 +10567,12 @@
               <a:buChar char="Ø"/>
             </a:pPr>
             <a:r>
+              <a:rPr lang="de-DE" b="1" dirty="0" err="1" smtClean="0"/>
+              <a:t>Szydlik‘s</a:t>
+            </a:r>
+            <a:r>
               <a:rPr lang="de-DE" b="1" dirty="0" smtClean="0"/>
-              <a:t>Szydlik‘s </a:t>
+              <a:t> </a:t>
             </a:r>
             <a:r>
               <a:rPr lang="de-DE" b="1" dirty="0" err="1" smtClean="0"/>
@@ -11701,11 +11447,7 @@
             </a:pPr>
             <a:r>
               <a:rPr lang="en-US" dirty="0" smtClean="0"/>
-              <a:t>10,</a:t>
-            </a:r>
-            <a:r>
-              <a:rPr lang="en-US" dirty="0" smtClean="0"/>
-              <a:t>533 young adults from 18 to 35 years and their parents of whom 24% are co-residing with their parents</a:t>
+              <a:t>10,533 young adults from 18 to 35 years and their parents of whom 24% are co-residing with their parents</a:t>
             </a:r>
           </a:p>
           <a:p>
@@ -11716,7 +11458,6 @@
               <a:rPr lang="en-US" dirty="0" smtClean="0"/>
               <a:t>Multi-level logistic regression with 3 levels</a:t>
             </a:r>
-            <a:endParaRPr lang="en-US" dirty="0" smtClean="0"/>
           </a:p>
         </p:txBody>
       </p:sp>
